--- a/Presentacion/Proyecto Artificial Violencia Doméstica.pptx
+++ b/Presentacion/Proyecto Artificial Violencia Doméstica.pptx
@@ -20,6 +20,12 @@
     <p:sldId id="264" r:id="rId15"/>
     <p:sldId id="265" r:id="rId16"/>
     <p:sldId id="266" r:id="rId17"/>
+    <p:sldId id="267" r:id="rId18"/>
+    <p:sldId id="268" r:id="rId19"/>
+    <p:sldId id="269" r:id="rId20"/>
+    <p:sldId id="270" r:id="rId21"/>
+    <p:sldId id="271" r:id="rId22"/>
+    <p:sldId id="272" r:id="rId23"/>
   </p:sldIdLst>
   <p:sldSz cy="6858000" cx="9144000"/>
   <p:notesSz cx="6858000" cy="9144000"/>
@@ -1700,7 +1706,7 @@
       </p:grpSpPr>
       <p:sp>
         <p:nvSpPr>
-          <p:cNvPr id="246" name="Google Shape;246;gf71f228877_1_108:notes"/>
+          <p:cNvPr id="246" name="Google Shape;246;gf62b189945_0_15:notes"/>
           <p:cNvSpPr/>
           <p:nvPr>
             <p:ph idx="2" type="sldImg"/>
@@ -1735,7 +1741,7 @@
       </p:sp>
       <p:sp>
         <p:nvSpPr>
-          <p:cNvPr id="247" name="Google Shape;247;gf71f228877_1_108:notes"/>
+          <p:cNvPr id="247" name="Google Shape;247;gf62b189945_0_15:notes"/>
           <p:cNvSpPr txBox="1"/>
           <p:nvPr>
             <p:ph idx="1" type="body"/>
@@ -1774,7 +1780,865 @@
       </p:sp>
       <p:sp>
         <p:nvSpPr>
-          <p:cNvPr id="248" name="Google Shape;248;gf71f228877_1_108:notes"/>
+          <p:cNvPr id="248" name="Google Shape;248;gf62b189945_0_15:notes"/>
+          <p:cNvSpPr txBox="1"/>
+          <p:nvPr>
+            <p:ph idx="12" type="sldNum"/>
+          </p:nvPr>
+        </p:nvSpPr>
+        <p:spPr>
+          <a:xfrm>
+            <a:off x="3884613" y="8685213"/>
+            <a:ext cx="2971800" cy="457200"/>
+          </a:xfrm>
+          <a:prstGeom prst="rect">
+            <a:avLst/>
+          </a:prstGeom>
+        </p:spPr>
+        <p:txBody>
+          <a:bodyPr anchorCtr="0" anchor="b" bIns="45700" lIns="91425" spcFirstLastPara="1" rIns="91425" wrap="square" tIns="45700">
+            <a:noAutofit/>
+          </a:bodyPr>
+          <a:lstStyle/>
+          <a:p>
+            <a:pPr indent="0" lvl="0" marL="0" rtl="0" algn="r">
+              <a:spcBef>
+                <a:spcPts val="0"/>
+              </a:spcBef>
+              <a:spcAft>
+                <a:spcPts val="0"/>
+              </a:spcAft>
+              <a:buClr>
+                <a:srgbClr val="000000"/>
+              </a:buClr>
+              <a:buFont typeface="Arial"/>
+              <a:buNone/>
+            </a:pPr>
+            <a:fld id="{00000000-1234-1234-1234-123412341234}" type="slidenum">
+              <a:rPr lang="ru-RU"/>
+              <a:t>‹#›</a:t>
+            </a:fld>
+            <a:endParaRPr/>
+          </a:p>
+        </p:txBody>
+      </p:sp>
+    </p:spTree>
+  </p:cSld>
+  <p:clrMapOvr>
+    <a:masterClrMapping/>
+  </p:clrMapOvr>
+</p:notes>
+</file>
+
+<file path=ppt/notesSlides/notesSlide12.xml><?xml version="1.0" encoding="utf-8"?>
+<p:notes xmlns:a="http://schemas.openxmlformats.org/drawingml/2006/main" xmlns:r="http://schemas.openxmlformats.org/officeDocument/2006/relationships" xmlns:mc="http://schemas.openxmlformats.org/markup-compatibility/2006" xmlns:mv="urn:schemas-microsoft-com:mac:vml" xmlns:p="http://schemas.openxmlformats.org/presentationml/2006/main" xmlns:c="http://schemas.openxmlformats.org/drawingml/2006/chart" xmlns:dgm="http://schemas.openxmlformats.org/drawingml/2006/diagram" xmlns:o="urn:schemas-microsoft-com:office:office" xmlns:v="urn:schemas-microsoft-com:vml" xmlns:pvml="urn:schemas-microsoft-com:office:powerpoint" xmlns:com="http://schemas.openxmlformats.org/drawingml/2006/compatibility" xmlns:p14="http://schemas.microsoft.com/office/powerpoint/2010/main" xmlns:p15="http://schemas.microsoft.com/office/powerpoint/2012/main" xmlns:ahyp="http://schemas.microsoft.com/office/drawing/2018/hyperlinkcolor" showMasterPhAnim="0" showMasterSp="0">
+  <p:cSld>
+    <p:spTree>
+      <p:nvGrpSpPr>
+        <p:cNvPr id="253" name="Shape 253"/>
+        <p:cNvGrpSpPr/>
+        <p:nvPr/>
+      </p:nvGrpSpPr>
+      <p:grpSpPr>
+        <a:xfrm>
+          <a:off x="0" y="0"/>
+          <a:ext cx="0" cy="0"/>
+          <a:chOff x="0" y="0"/>
+          <a:chExt cx="0" cy="0"/>
+        </a:xfrm>
+      </p:grpSpPr>
+      <p:sp>
+        <p:nvSpPr>
+          <p:cNvPr id="254" name="Google Shape;254;gf62b189945_0_35:notes"/>
+          <p:cNvSpPr/>
+          <p:nvPr>
+            <p:ph idx="2" type="sldImg"/>
+          </p:nvPr>
+        </p:nvSpPr>
+        <p:spPr>
+          <a:xfrm>
+            <a:off x="1143000" y="685800"/>
+            <a:ext cx="4572000" cy="3429000"/>
+          </a:xfrm>
+          <a:custGeom>
+            <a:rect b="b" l="l" r="r" t="t"/>
+            <a:pathLst>
+              <a:path extrusionOk="0" h="120000" w="120000">
+                <a:moveTo>
+                  <a:pt x="0" y="0"/>
+                </a:moveTo>
+                <a:lnTo>
+                  <a:pt x="120000" y="0"/>
+                </a:lnTo>
+                <a:lnTo>
+                  <a:pt x="120000" y="120000"/>
+                </a:lnTo>
+                <a:lnTo>
+                  <a:pt x="0" y="120000"/>
+                </a:lnTo>
+                <a:close/>
+              </a:path>
+            </a:pathLst>
+          </a:custGeom>
+        </p:spPr>
+      </p:sp>
+      <p:sp>
+        <p:nvSpPr>
+          <p:cNvPr id="255" name="Google Shape;255;gf62b189945_0_35:notes"/>
+          <p:cNvSpPr txBox="1"/>
+          <p:nvPr>
+            <p:ph idx="1" type="body"/>
+          </p:nvPr>
+        </p:nvSpPr>
+        <p:spPr>
+          <a:xfrm>
+            <a:off x="685800" y="4343400"/>
+            <a:ext cx="5486400" cy="4114800"/>
+          </a:xfrm>
+          <a:prstGeom prst="rect">
+            <a:avLst/>
+          </a:prstGeom>
+        </p:spPr>
+        <p:txBody>
+          <a:bodyPr anchorCtr="0" anchor="t" bIns="45700" lIns="91425" spcFirstLastPara="1" rIns="91425" wrap="square" tIns="45700">
+            <a:noAutofit/>
+          </a:bodyPr>
+          <a:lstStyle/>
+          <a:p>
+            <a:pPr indent="0" lvl="0" marL="0" rtl="0" algn="l">
+              <a:spcBef>
+                <a:spcPts val="360"/>
+              </a:spcBef>
+              <a:spcAft>
+                <a:spcPts val="0"/>
+              </a:spcAft>
+              <a:buNone/>
+            </a:pPr>
+            <a:r>
+              <a:t/>
+            </a:r>
+            <a:endParaRPr/>
+          </a:p>
+        </p:txBody>
+      </p:sp>
+      <p:sp>
+        <p:nvSpPr>
+          <p:cNvPr id="256" name="Google Shape;256;gf62b189945_0_35:notes"/>
+          <p:cNvSpPr txBox="1"/>
+          <p:nvPr>
+            <p:ph idx="12" type="sldNum"/>
+          </p:nvPr>
+        </p:nvSpPr>
+        <p:spPr>
+          <a:xfrm>
+            <a:off x="3884613" y="8685213"/>
+            <a:ext cx="2971800" cy="457200"/>
+          </a:xfrm>
+          <a:prstGeom prst="rect">
+            <a:avLst/>
+          </a:prstGeom>
+        </p:spPr>
+        <p:txBody>
+          <a:bodyPr anchorCtr="0" anchor="b" bIns="45700" lIns="91425" spcFirstLastPara="1" rIns="91425" wrap="square" tIns="45700">
+            <a:noAutofit/>
+          </a:bodyPr>
+          <a:lstStyle/>
+          <a:p>
+            <a:pPr indent="0" lvl="0" marL="0" rtl="0" algn="r">
+              <a:spcBef>
+                <a:spcPts val="0"/>
+              </a:spcBef>
+              <a:spcAft>
+                <a:spcPts val="0"/>
+              </a:spcAft>
+              <a:buClr>
+                <a:srgbClr val="000000"/>
+              </a:buClr>
+              <a:buFont typeface="Arial"/>
+              <a:buNone/>
+            </a:pPr>
+            <a:fld id="{00000000-1234-1234-1234-123412341234}" type="slidenum">
+              <a:rPr lang="ru-RU"/>
+              <a:t>‹#›</a:t>
+            </a:fld>
+            <a:endParaRPr/>
+          </a:p>
+        </p:txBody>
+      </p:sp>
+    </p:spTree>
+  </p:cSld>
+  <p:clrMapOvr>
+    <a:masterClrMapping/>
+  </p:clrMapOvr>
+</p:notes>
+</file>
+
+<file path=ppt/notesSlides/notesSlide13.xml><?xml version="1.0" encoding="utf-8"?>
+<p:notes xmlns:a="http://schemas.openxmlformats.org/drawingml/2006/main" xmlns:r="http://schemas.openxmlformats.org/officeDocument/2006/relationships" xmlns:mc="http://schemas.openxmlformats.org/markup-compatibility/2006" xmlns:mv="urn:schemas-microsoft-com:mac:vml" xmlns:p="http://schemas.openxmlformats.org/presentationml/2006/main" xmlns:c="http://schemas.openxmlformats.org/drawingml/2006/chart" xmlns:dgm="http://schemas.openxmlformats.org/drawingml/2006/diagram" xmlns:o="urn:schemas-microsoft-com:office:office" xmlns:v="urn:schemas-microsoft-com:vml" xmlns:pvml="urn:schemas-microsoft-com:office:powerpoint" xmlns:com="http://schemas.openxmlformats.org/drawingml/2006/compatibility" xmlns:p14="http://schemas.microsoft.com/office/powerpoint/2010/main" xmlns:p15="http://schemas.microsoft.com/office/powerpoint/2012/main" xmlns:ahyp="http://schemas.microsoft.com/office/drawing/2018/hyperlinkcolor" showMasterPhAnim="0" showMasterSp="0">
+  <p:cSld>
+    <p:spTree>
+      <p:nvGrpSpPr>
+        <p:cNvPr id="261" name="Shape 261"/>
+        <p:cNvGrpSpPr/>
+        <p:nvPr/>
+      </p:nvGrpSpPr>
+      <p:grpSpPr>
+        <a:xfrm>
+          <a:off x="0" y="0"/>
+          <a:ext cx="0" cy="0"/>
+          <a:chOff x="0" y="0"/>
+          <a:chExt cx="0" cy="0"/>
+        </a:xfrm>
+      </p:grpSpPr>
+      <p:sp>
+        <p:nvSpPr>
+          <p:cNvPr id="262" name="Google Shape;262;gf62b189945_0_44:notes"/>
+          <p:cNvSpPr/>
+          <p:nvPr>
+            <p:ph idx="2" type="sldImg"/>
+          </p:nvPr>
+        </p:nvSpPr>
+        <p:spPr>
+          <a:xfrm>
+            <a:off x="1143000" y="685800"/>
+            <a:ext cx="4572000" cy="3429000"/>
+          </a:xfrm>
+          <a:custGeom>
+            <a:rect b="b" l="l" r="r" t="t"/>
+            <a:pathLst>
+              <a:path extrusionOk="0" h="120000" w="120000">
+                <a:moveTo>
+                  <a:pt x="0" y="0"/>
+                </a:moveTo>
+                <a:lnTo>
+                  <a:pt x="120000" y="0"/>
+                </a:lnTo>
+                <a:lnTo>
+                  <a:pt x="120000" y="120000"/>
+                </a:lnTo>
+                <a:lnTo>
+                  <a:pt x="0" y="120000"/>
+                </a:lnTo>
+                <a:close/>
+              </a:path>
+            </a:pathLst>
+          </a:custGeom>
+        </p:spPr>
+      </p:sp>
+      <p:sp>
+        <p:nvSpPr>
+          <p:cNvPr id="263" name="Google Shape;263;gf62b189945_0_44:notes"/>
+          <p:cNvSpPr txBox="1"/>
+          <p:nvPr>
+            <p:ph idx="1" type="body"/>
+          </p:nvPr>
+        </p:nvSpPr>
+        <p:spPr>
+          <a:xfrm>
+            <a:off x="685800" y="4343400"/>
+            <a:ext cx="5486400" cy="4114800"/>
+          </a:xfrm>
+          <a:prstGeom prst="rect">
+            <a:avLst/>
+          </a:prstGeom>
+        </p:spPr>
+        <p:txBody>
+          <a:bodyPr anchorCtr="0" anchor="t" bIns="45700" lIns="91425" spcFirstLastPara="1" rIns="91425" wrap="square" tIns="45700">
+            <a:noAutofit/>
+          </a:bodyPr>
+          <a:lstStyle/>
+          <a:p>
+            <a:pPr indent="0" lvl="0" marL="0" rtl="0" algn="l">
+              <a:spcBef>
+                <a:spcPts val="360"/>
+              </a:spcBef>
+              <a:spcAft>
+                <a:spcPts val="0"/>
+              </a:spcAft>
+              <a:buNone/>
+            </a:pPr>
+            <a:r>
+              <a:t/>
+            </a:r>
+            <a:endParaRPr/>
+          </a:p>
+        </p:txBody>
+      </p:sp>
+      <p:sp>
+        <p:nvSpPr>
+          <p:cNvPr id="264" name="Google Shape;264;gf62b189945_0_44:notes"/>
+          <p:cNvSpPr txBox="1"/>
+          <p:nvPr>
+            <p:ph idx="12" type="sldNum"/>
+          </p:nvPr>
+        </p:nvSpPr>
+        <p:spPr>
+          <a:xfrm>
+            <a:off x="3884613" y="8685213"/>
+            <a:ext cx="2971800" cy="457200"/>
+          </a:xfrm>
+          <a:prstGeom prst="rect">
+            <a:avLst/>
+          </a:prstGeom>
+        </p:spPr>
+        <p:txBody>
+          <a:bodyPr anchorCtr="0" anchor="b" bIns="45700" lIns="91425" spcFirstLastPara="1" rIns="91425" wrap="square" tIns="45700">
+            <a:noAutofit/>
+          </a:bodyPr>
+          <a:lstStyle/>
+          <a:p>
+            <a:pPr indent="0" lvl="0" marL="0" rtl="0" algn="r">
+              <a:spcBef>
+                <a:spcPts val="0"/>
+              </a:spcBef>
+              <a:spcAft>
+                <a:spcPts val="0"/>
+              </a:spcAft>
+              <a:buClr>
+                <a:srgbClr val="000000"/>
+              </a:buClr>
+              <a:buFont typeface="Arial"/>
+              <a:buNone/>
+            </a:pPr>
+            <a:fld id="{00000000-1234-1234-1234-123412341234}" type="slidenum">
+              <a:rPr lang="ru-RU"/>
+              <a:t>‹#›</a:t>
+            </a:fld>
+            <a:endParaRPr/>
+          </a:p>
+        </p:txBody>
+      </p:sp>
+    </p:spTree>
+  </p:cSld>
+  <p:clrMapOvr>
+    <a:masterClrMapping/>
+  </p:clrMapOvr>
+</p:notes>
+</file>
+
+<file path=ppt/notesSlides/notesSlide14.xml><?xml version="1.0" encoding="utf-8"?>
+<p:notes xmlns:a="http://schemas.openxmlformats.org/drawingml/2006/main" xmlns:r="http://schemas.openxmlformats.org/officeDocument/2006/relationships" xmlns:mc="http://schemas.openxmlformats.org/markup-compatibility/2006" xmlns:mv="urn:schemas-microsoft-com:mac:vml" xmlns:p="http://schemas.openxmlformats.org/presentationml/2006/main" xmlns:c="http://schemas.openxmlformats.org/drawingml/2006/chart" xmlns:dgm="http://schemas.openxmlformats.org/drawingml/2006/diagram" xmlns:o="urn:schemas-microsoft-com:office:office" xmlns:v="urn:schemas-microsoft-com:vml" xmlns:pvml="urn:schemas-microsoft-com:office:powerpoint" xmlns:com="http://schemas.openxmlformats.org/drawingml/2006/compatibility" xmlns:p14="http://schemas.microsoft.com/office/powerpoint/2010/main" xmlns:p15="http://schemas.microsoft.com/office/powerpoint/2012/main" xmlns:ahyp="http://schemas.microsoft.com/office/drawing/2018/hyperlinkcolor" showMasterPhAnim="0" showMasterSp="0">
+  <p:cSld>
+    <p:spTree>
+      <p:nvGrpSpPr>
+        <p:cNvPr id="269" name="Shape 269"/>
+        <p:cNvGrpSpPr/>
+        <p:nvPr/>
+      </p:nvGrpSpPr>
+      <p:grpSpPr>
+        <a:xfrm>
+          <a:off x="0" y="0"/>
+          <a:ext cx="0" cy="0"/>
+          <a:chOff x="0" y="0"/>
+          <a:chExt cx="0" cy="0"/>
+        </a:xfrm>
+      </p:grpSpPr>
+      <p:sp>
+        <p:nvSpPr>
+          <p:cNvPr id="270" name="Google Shape;270;gf62b189945_0_28:notes"/>
+          <p:cNvSpPr/>
+          <p:nvPr>
+            <p:ph idx="2" type="sldImg"/>
+          </p:nvPr>
+        </p:nvSpPr>
+        <p:spPr>
+          <a:xfrm>
+            <a:off x="1143000" y="685800"/>
+            <a:ext cx="4572000" cy="3429000"/>
+          </a:xfrm>
+          <a:custGeom>
+            <a:rect b="b" l="l" r="r" t="t"/>
+            <a:pathLst>
+              <a:path extrusionOk="0" h="120000" w="120000">
+                <a:moveTo>
+                  <a:pt x="0" y="0"/>
+                </a:moveTo>
+                <a:lnTo>
+                  <a:pt x="120000" y="0"/>
+                </a:lnTo>
+                <a:lnTo>
+                  <a:pt x="120000" y="120000"/>
+                </a:lnTo>
+                <a:lnTo>
+                  <a:pt x="0" y="120000"/>
+                </a:lnTo>
+                <a:close/>
+              </a:path>
+            </a:pathLst>
+          </a:custGeom>
+        </p:spPr>
+      </p:sp>
+      <p:sp>
+        <p:nvSpPr>
+          <p:cNvPr id="271" name="Google Shape;271;gf62b189945_0_28:notes"/>
+          <p:cNvSpPr txBox="1"/>
+          <p:nvPr>
+            <p:ph idx="1" type="body"/>
+          </p:nvPr>
+        </p:nvSpPr>
+        <p:spPr>
+          <a:xfrm>
+            <a:off x="685800" y="4343400"/>
+            <a:ext cx="5486400" cy="4114800"/>
+          </a:xfrm>
+          <a:prstGeom prst="rect">
+            <a:avLst/>
+          </a:prstGeom>
+        </p:spPr>
+        <p:txBody>
+          <a:bodyPr anchorCtr="0" anchor="t" bIns="45700" lIns="91425" spcFirstLastPara="1" rIns="91425" wrap="square" tIns="45700">
+            <a:noAutofit/>
+          </a:bodyPr>
+          <a:lstStyle/>
+          <a:p>
+            <a:pPr indent="0" lvl="0" marL="0" rtl="0" algn="l">
+              <a:spcBef>
+                <a:spcPts val="360"/>
+              </a:spcBef>
+              <a:spcAft>
+                <a:spcPts val="0"/>
+              </a:spcAft>
+              <a:buNone/>
+            </a:pPr>
+            <a:r>
+              <a:t/>
+            </a:r>
+            <a:endParaRPr/>
+          </a:p>
+        </p:txBody>
+      </p:sp>
+      <p:sp>
+        <p:nvSpPr>
+          <p:cNvPr id="272" name="Google Shape;272;gf62b189945_0_28:notes"/>
+          <p:cNvSpPr txBox="1"/>
+          <p:nvPr>
+            <p:ph idx="12" type="sldNum"/>
+          </p:nvPr>
+        </p:nvSpPr>
+        <p:spPr>
+          <a:xfrm>
+            <a:off x="3884613" y="8685213"/>
+            <a:ext cx="2971800" cy="457200"/>
+          </a:xfrm>
+          <a:prstGeom prst="rect">
+            <a:avLst/>
+          </a:prstGeom>
+        </p:spPr>
+        <p:txBody>
+          <a:bodyPr anchorCtr="0" anchor="b" bIns="45700" lIns="91425" spcFirstLastPara="1" rIns="91425" wrap="square" tIns="45700">
+            <a:noAutofit/>
+          </a:bodyPr>
+          <a:lstStyle/>
+          <a:p>
+            <a:pPr indent="0" lvl="0" marL="0" rtl="0" algn="r">
+              <a:spcBef>
+                <a:spcPts val="0"/>
+              </a:spcBef>
+              <a:spcAft>
+                <a:spcPts val="0"/>
+              </a:spcAft>
+              <a:buClr>
+                <a:srgbClr val="000000"/>
+              </a:buClr>
+              <a:buFont typeface="Arial"/>
+              <a:buNone/>
+            </a:pPr>
+            <a:fld id="{00000000-1234-1234-1234-123412341234}" type="slidenum">
+              <a:rPr lang="ru-RU"/>
+              <a:t>‹#›</a:t>
+            </a:fld>
+            <a:endParaRPr/>
+          </a:p>
+        </p:txBody>
+      </p:sp>
+    </p:spTree>
+  </p:cSld>
+  <p:clrMapOvr>
+    <a:masterClrMapping/>
+  </p:clrMapOvr>
+</p:notes>
+</file>
+
+<file path=ppt/notesSlides/notesSlide15.xml><?xml version="1.0" encoding="utf-8"?>
+<p:notes xmlns:a="http://schemas.openxmlformats.org/drawingml/2006/main" xmlns:r="http://schemas.openxmlformats.org/officeDocument/2006/relationships" xmlns:mc="http://schemas.openxmlformats.org/markup-compatibility/2006" xmlns:mv="urn:schemas-microsoft-com:mac:vml" xmlns:p="http://schemas.openxmlformats.org/presentationml/2006/main" xmlns:c="http://schemas.openxmlformats.org/drawingml/2006/chart" xmlns:dgm="http://schemas.openxmlformats.org/drawingml/2006/diagram" xmlns:o="urn:schemas-microsoft-com:office:office" xmlns:v="urn:schemas-microsoft-com:vml" xmlns:pvml="urn:schemas-microsoft-com:office:powerpoint" xmlns:com="http://schemas.openxmlformats.org/drawingml/2006/compatibility" xmlns:p14="http://schemas.microsoft.com/office/powerpoint/2010/main" xmlns:p15="http://schemas.microsoft.com/office/powerpoint/2012/main" xmlns:ahyp="http://schemas.microsoft.com/office/drawing/2018/hyperlinkcolor" showMasterPhAnim="0" showMasterSp="0">
+  <p:cSld>
+    <p:spTree>
+      <p:nvGrpSpPr>
+        <p:cNvPr id="277" name="Shape 277"/>
+        <p:cNvGrpSpPr/>
+        <p:nvPr/>
+      </p:nvGrpSpPr>
+      <p:grpSpPr>
+        <a:xfrm>
+          <a:off x="0" y="0"/>
+          <a:ext cx="0" cy="0"/>
+          <a:chOff x="0" y="0"/>
+          <a:chExt cx="0" cy="0"/>
+        </a:xfrm>
+      </p:grpSpPr>
+      <p:sp>
+        <p:nvSpPr>
+          <p:cNvPr id="278" name="Google Shape;278;gf62b189945_0_1:notes"/>
+          <p:cNvSpPr/>
+          <p:nvPr>
+            <p:ph idx="2" type="sldImg"/>
+          </p:nvPr>
+        </p:nvSpPr>
+        <p:spPr>
+          <a:xfrm>
+            <a:off x="1143000" y="685800"/>
+            <a:ext cx="4572000" cy="3429000"/>
+          </a:xfrm>
+          <a:custGeom>
+            <a:rect b="b" l="l" r="r" t="t"/>
+            <a:pathLst>
+              <a:path extrusionOk="0" h="120000" w="120000">
+                <a:moveTo>
+                  <a:pt x="0" y="0"/>
+                </a:moveTo>
+                <a:lnTo>
+                  <a:pt x="120000" y="0"/>
+                </a:lnTo>
+                <a:lnTo>
+                  <a:pt x="120000" y="120000"/>
+                </a:lnTo>
+                <a:lnTo>
+                  <a:pt x="0" y="120000"/>
+                </a:lnTo>
+                <a:close/>
+              </a:path>
+            </a:pathLst>
+          </a:custGeom>
+        </p:spPr>
+      </p:sp>
+      <p:sp>
+        <p:nvSpPr>
+          <p:cNvPr id="279" name="Google Shape;279;gf62b189945_0_1:notes"/>
+          <p:cNvSpPr txBox="1"/>
+          <p:nvPr>
+            <p:ph idx="1" type="body"/>
+          </p:nvPr>
+        </p:nvSpPr>
+        <p:spPr>
+          <a:xfrm>
+            <a:off x="685800" y="4343400"/>
+            <a:ext cx="5486400" cy="4114800"/>
+          </a:xfrm>
+          <a:prstGeom prst="rect">
+            <a:avLst/>
+          </a:prstGeom>
+        </p:spPr>
+        <p:txBody>
+          <a:bodyPr anchorCtr="0" anchor="t" bIns="45700" lIns="91425" spcFirstLastPara="1" rIns="91425" wrap="square" tIns="45700">
+            <a:noAutofit/>
+          </a:bodyPr>
+          <a:lstStyle/>
+          <a:p>
+            <a:pPr indent="0" lvl="0" marL="0" rtl="0" algn="l">
+              <a:spcBef>
+                <a:spcPts val="360"/>
+              </a:spcBef>
+              <a:spcAft>
+                <a:spcPts val="0"/>
+              </a:spcAft>
+              <a:buNone/>
+            </a:pPr>
+            <a:r>
+              <a:t/>
+            </a:r>
+            <a:endParaRPr/>
+          </a:p>
+        </p:txBody>
+      </p:sp>
+      <p:sp>
+        <p:nvSpPr>
+          <p:cNvPr id="280" name="Google Shape;280;gf62b189945_0_1:notes"/>
+          <p:cNvSpPr txBox="1"/>
+          <p:nvPr>
+            <p:ph idx="12" type="sldNum"/>
+          </p:nvPr>
+        </p:nvSpPr>
+        <p:spPr>
+          <a:xfrm>
+            <a:off x="3884613" y="8685213"/>
+            <a:ext cx="2971800" cy="457200"/>
+          </a:xfrm>
+          <a:prstGeom prst="rect">
+            <a:avLst/>
+          </a:prstGeom>
+        </p:spPr>
+        <p:txBody>
+          <a:bodyPr anchorCtr="0" anchor="b" bIns="45700" lIns="91425" spcFirstLastPara="1" rIns="91425" wrap="square" tIns="45700">
+            <a:noAutofit/>
+          </a:bodyPr>
+          <a:lstStyle/>
+          <a:p>
+            <a:pPr indent="0" lvl="0" marL="0" rtl="0" algn="r">
+              <a:spcBef>
+                <a:spcPts val="0"/>
+              </a:spcBef>
+              <a:spcAft>
+                <a:spcPts val="0"/>
+              </a:spcAft>
+              <a:buClr>
+                <a:srgbClr val="000000"/>
+              </a:buClr>
+              <a:buFont typeface="Arial"/>
+              <a:buNone/>
+            </a:pPr>
+            <a:fld id="{00000000-1234-1234-1234-123412341234}" type="slidenum">
+              <a:rPr lang="ru-RU"/>
+              <a:t>‹#›</a:t>
+            </a:fld>
+            <a:endParaRPr/>
+          </a:p>
+        </p:txBody>
+      </p:sp>
+    </p:spTree>
+  </p:cSld>
+  <p:clrMapOvr>
+    <a:masterClrMapping/>
+  </p:clrMapOvr>
+</p:notes>
+</file>
+
+<file path=ppt/notesSlides/notesSlide16.xml><?xml version="1.0" encoding="utf-8"?>
+<p:notes xmlns:a="http://schemas.openxmlformats.org/drawingml/2006/main" xmlns:r="http://schemas.openxmlformats.org/officeDocument/2006/relationships" xmlns:mc="http://schemas.openxmlformats.org/markup-compatibility/2006" xmlns:mv="urn:schemas-microsoft-com:mac:vml" xmlns:p="http://schemas.openxmlformats.org/presentationml/2006/main" xmlns:c="http://schemas.openxmlformats.org/drawingml/2006/chart" xmlns:dgm="http://schemas.openxmlformats.org/drawingml/2006/diagram" xmlns:o="urn:schemas-microsoft-com:office:office" xmlns:v="urn:schemas-microsoft-com:vml" xmlns:pvml="urn:schemas-microsoft-com:office:powerpoint" xmlns:com="http://schemas.openxmlformats.org/drawingml/2006/compatibility" xmlns:p14="http://schemas.microsoft.com/office/powerpoint/2010/main" xmlns:p15="http://schemas.microsoft.com/office/powerpoint/2012/main" xmlns:ahyp="http://schemas.microsoft.com/office/drawing/2018/hyperlinkcolor" showMasterPhAnim="0" showMasterSp="0">
+  <p:cSld>
+    <p:spTree>
+      <p:nvGrpSpPr>
+        <p:cNvPr id="291" name="Shape 291"/>
+        <p:cNvGrpSpPr/>
+        <p:nvPr/>
+      </p:nvGrpSpPr>
+      <p:grpSpPr>
+        <a:xfrm>
+          <a:off x="0" y="0"/>
+          <a:ext cx="0" cy="0"/>
+          <a:chOff x="0" y="0"/>
+          <a:chExt cx="0" cy="0"/>
+        </a:xfrm>
+      </p:grpSpPr>
+      <p:sp>
+        <p:nvSpPr>
+          <p:cNvPr id="292" name="Google Shape;292;gf62b189945_2_0:notes"/>
+          <p:cNvSpPr/>
+          <p:nvPr>
+            <p:ph idx="2" type="sldImg"/>
+          </p:nvPr>
+        </p:nvSpPr>
+        <p:spPr>
+          <a:xfrm>
+            <a:off x="1143000" y="685800"/>
+            <a:ext cx="4572000" cy="3429000"/>
+          </a:xfrm>
+          <a:custGeom>
+            <a:rect b="b" l="l" r="r" t="t"/>
+            <a:pathLst>
+              <a:path extrusionOk="0" h="120000" w="120000">
+                <a:moveTo>
+                  <a:pt x="0" y="0"/>
+                </a:moveTo>
+                <a:lnTo>
+                  <a:pt x="120000" y="0"/>
+                </a:lnTo>
+                <a:lnTo>
+                  <a:pt x="120000" y="120000"/>
+                </a:lnTo>
+                <a:lnTo>
+                  <a:pt x="0" y="120000"/>
+                </a:lnTo>
+                <a:close/>
+              </a:path>
+            </a:pathLst>
+          </a:custGeom>
+        </p:spPr>
+      </p:sp>
+      <p:sp>
+        <p:nvSpPr>
+          <p:cNvPr id="293" name="Google Shape;293;gf62b189945_2_0:notes"/>
+          <p:cNvSpPr txBox="1"/>
+          <p:nvPr>
+            <p:ph idx="1" type="body"/>
+          </p:nvPr>
+        </p:nvSpPr>
+        <p:spPr>
+          <a:xfrm>
+            <a:off x="685800" y="4343400"/>
+            <a:ext cx="5486400" cy="4114800"/>
+          </a:xfrm>
+          <a:prstGeom prst="rect">
+            <a:avLst/>
+          </a:prstGeom>
+        </p:spPr>
+        <p:txBody>
+          <a:bodyPr anchorCtr="0" anchor="t" bIns="45700" lIns="91425" spcFirstLastPara="1" rIns="91425" wrap="square" tIns="45700">
+            <a:noAutofit/>
+          </a:bodyPr>
+          <a:lstStyle/>
+          <a:p>
+            <a:pPr indent="0" lvl="0" marL="0" rtl="0" algn="l">
+              <a:spcBef>
+                <a:spcPts val="360"/>
+              </a:spcBef>
+              <a:spcAft>
+                <a:spcPts val="0"/>
+              </a:spcAft>
+              <a:buNone/>
+            </a:pPr>
+            <a:r>
+              <a:t/>
+            </a:r>
+            <a:endParaRPr/>
+          </a:p>
+        </p:txBody>
+      </p:sp>
+      <p:sp>
+        <p:nvSpPr>
+          <p:cNvPr id="294" name="Google Shape;294;gf62b189945_2_0:notes"/>
+          <p:cNvSpPr txBox="1"/>
+          <p:nvPr>
+            <p:ph idx="12" type="sldNum"/>
+          </p:nvPr>
+        </p:nvSpPr>
+        <p:spPr>
+          <a:xfrm>
+            <a:off x="3884613" y="8685213"/>
+            <a:ext cx="2971800" cy="457200"/>
+          </a:xfrm>
+          <a:prstGeom prst="rect">
+            <a:avLst/>
+          </a:prstGeom>
+        </p:spPr>
+        <p:txBody>
+          <a:bodyPr anchorCtr="0" anchor="b" bIns="45700" lIns="91425" spcFirstLastPara="1" rIns="91425" wrap="square" tIns="45700">
+            <a:noAutofit/>
+          </a:bodyPr>
+          <a:lstStyle/>
+          <a:p>
+            <a:pPr indent="0" lvl="0" marL="0" rtl="0" algn="r">
+              <a:spcBef>
+                <a:spcPts val="0"/>
+              </a:spcBef>
+              <a:spcAft>
+                <a:spcPts val="0"/>
+              </a:spcAft>
+              <a:buClr>
+                <a:srgbClr val="000000"/>
+              </a:buClr>
+              <a:buFont typeface="Arial"/>
+              <a:buNone/>
+            </a:pPr>
+            <a:fld id="{00000000-1234-1234-1234-123412341234}" type="slidenum">
+              <a:rPr lang="ru-RU"/>
+              <a:t>‹#›</a:t>
+            </a:fld>
+            <a:endParaRPr/>
+          </a:p>
+        </p:txBody>
+      </p:sp>
+    </p:spTree>
+  </p:cSld>
+  <p:clrMapOvr>
+    <a:masterClrMapping/>
+  </p:clrMapOvr>
+</p:notes>
+</file>
+
+<file path=ppt/notesSlides/notesSlide17.xml><?xml version="1.0" encoding="utf-8"?>
+<p:notes xmlns:a="http://schemas.openxmlformats.org/drawingml/2006/main" xmlns:r="http://schemas.openxmlformats.org/officeDocument/2006/relationships" xmlns:mc="http://schemas.openxmlformats.org/markup-compatibility/2006" xmlns:mv="urn:schemas-microsoft-com:mac:vml" xmlns:p="http://schemas.openxmlformats.org/presentationml/2006/main" xmlns:c="http://schemas.openxmlformats.org/drawingml/2006/chart" xmlns:dgm="http://schemas.openxmlformats.org/drawingml/2006/diagram" xmlns:o="urn:schemas-microsoft-com:office:office" xmlns:v="urn:schemas-microsoft-com:vml" xmlns:pvml="urn:schemas-microsoft-com:office:powerpoint" xmlns:com="http://schemas.openxmlformats.org/drawingml/2006/compatibility" xmlns:p14="http://schemas.microsoft.com/office/powerpoint/2010/main" xmlns:p15="http://schemas.microsoft.com/office/powerpoint/2012/main" xmlns:ahyp="http://schemas.microsoft.com/office/drawing/2018/hyperlinkcolor" showMasterPhAnim="0" showMasterSp="0">
+  <p:cSld>
+    <p:spTree>
+      <p:nvGrpSpPr>
+        <p:cNvPr id="301" name="Shape 301"/>
+        <p:cNvGrpSpPr/>
+        <p:nvPr/>
+      </p:nvGrpSpPr>
+      <p:grpSpPr>
+        <a:xfrm>
+          <a:off x="0" y="0"/>
+          <a:ext cx="0" cy="0"/>
+          <a:chOff x="0" y="0"/>
+          <a:chExt cx="0" cy="0"/>
+        </a:xfrm>
+      </p:grpSpPr>
+      <p:sp>
+        <p:nvSpPr>
+          <p:cNvPr id="302" name="Google Shape;302;gf71f228877_1_108:notes"/>
+          <p:cNvSpPr/>
+          <p:nvPr>
+            <p:ph idx="2" type="sldImg"/>
+          </p:nvPr>
+        </p:nvSpPr>
+        <p:spPr>
+          <a:xfrm>
+            <a:off x="1143000" y="685800"/>
+            <a:ext cx="4572000" cy="3429000"/>
+          </a:xfrm>
+          <a:custGeom>
+            <a:rect b="b" l="l" r="r" t="t"/>
+            <a:pathLst>
+              <a:path extrusionOk="0" h="120000" w="120000">
+                <a:moveTo>
+                  <a:pt x="0" y="0"/>
+                </a:moveTo>
+                <a:lnTo>
+                  <a:pt x="120000" y="0"/>
+                </a:lnTo>
+                <a:lnTo>
+                  <a:pt x="120000" y="120000"/>
+                </a:lnTo>
+                <a:lnTo>
+                  <a:pt x="0" y="120000"/>
+                </a:lnTo>
+                <a:close/>
+              </a:path>
+            </a:pathLst>
+          </a:custGeom>
+        </p:spPr>
+      </p:sp>
+      <p:sp>
+        <p:nvSpPr>
+          <p:cNvPr id="303" name="Google Shape;303;gf71f228877_1_108:notes"/>
+          <p:cNvSpPr txBox="1"/>
+          <p:nvPr>
+            <p:ph idx="1" type="body"/>
+          </p:nvPr>
+        </p:nvSpPr>
+        <p:spPr>
+          <a:xfrm>
+            <a:off x="685800" y="4343400"/>
+            <a:ext cx="5486400" cy="4114800"/>
+          </a:xfrm>
+          <a:prstGeom prst="rect">
+            <a:avLst/>
+          </a:prstGeom>
+        </p:spPr>
+        <p:txBody>
+          <a:bodyPr anchorCtr="0" anchor="t" bIns="45700" lIns="91425" spcFirstLastPara="1" rIns="91425" wrap="square" tIns="45700">
+            <a:noAutofit/>
+          </a:bodyPr>
+          <a:lstStyle/>
+          <a:p>
+            <a:pPr indent="0" lvl="0" marL="0" rtl="0" algn="l">
+              <a:spcBef>
+                <a:spcPts val="360"/>
+              </a:spcBef>
+              <a:spcAft>
+                <a:spcPts val="0"/>
+              </a:spcAft>
+              <a:buNone/>
+            </a:pPr>
+            <a:r>
+              <a:t/>
+            </a:r>
+            <a:endParaRPr/>
+          </a:p>
+        </p:txBody>
+      </p:sp>
+      <p:sp>
+        <p:nvSpPr>
+          <p:cNvPr id="304" name="Google Shape;304;gf71f228877_1_108:notes"/>
           <p:cNvSpPr txBox="1"/>
           <p:nvPr>
             <p:ph idx="12" type="sldNum"/>
@@ -24251,18 +25115,17 @@
           <p:cNvPicPr preferRelativeResize="0"/>
           <p:nvPr/>
         </p:nvPicPr>
-        <p:blipFill>
+        <p:blipFill rotWithShape="1">
           <a:blip r:embed="rId3">
             <a:alphaModFix/>
           </a:blip>
-          <a:stretch>
-            <a:fillRect/>
-          </a:stretch>
+          <a:srcRect b="7030" l="5942" r="55346" t="29116"/>
+          <a:stretch/>
         </p:blipFill>
         <p:spPr>
           <a:xfrm>
-            <a:off x="2644875" y="1982405"/>
-            <a:ext cx="2294750" cy="2367925"/>
+            <a:off x="2233950" y="1255400"/>
+            <a:ext cx="5112998" cy="4743549"/>
           </a:xfrm>
           <a:prstGeom prst="rect">
             <a:avLst/>
@@ -24273,24 +25136,16 @@
           </a:ln>
         </p:spPr>
       </p:pic>
-      <p:pic>
-        <p:nvPicPr>
+      <p:sp>
+        <p:nvSpPr>
           <p:cNvPr id="244" name="Google Shape;244;p34"/>
-          <p:cNvPicPr preferRelativeResize="0"/>
+          <p:cNvSpPr txBox="1"/>
           <p:nvPr/>
-        </p:nvPicPr>
-        <p:blipFill>
-          <a:blip r:embed="rId4">
-            <a:alphaModFix/>
-          </a:blip>
-          <a:stretch>
-            <a:fillRect/>
-          </a:stretch>
-        </p:blipFill>
+        </p:nvSpPr>
         <p:spPr>
           <a:xfrm>
-            <a:off x="5197775" y="3836725"/>
-            <a:ext cx="2832942" cy="2161650"/>
+            <a:off x="2233950" y="5940075"/>
+            <a:ext cx="2495100" cy="400200"/>
           </a:xfrm>
           <a:prstGeom prst="rect">
             <a:avLst/>
@@ -24300,7 +25155,39 @@
             <a:noFill/>
           </a:ln>
         </p:spPr>
-      </p:pic>
+        <p:txBody>
+          <a:bodyPr anchorCtr="0" anchor="t" bIns="91425" lIns="91425" spcFirstLastPara="1" rIns="91425" wrap="square" tIns="91425">
+            <a:spAutoFit/>
+          </a:bodyPr>
+          <a:lstStyle/>
+          <a:p>
+            <a:pPr indent="0" lvl="0" marL="0" rtl="0" algn="l">
+              <a:spcBef>
+                <a:spcPts val="0"/>
+              </a:spcBef>
+              <a:spcAft>
+                <a:spcPts val="0"/>
+              </a:spcAft>
+              <a:buNone/>
+            </a:pPr>
+            <a:r>
+              <a:rPr lang="ru-RU">
+                <a:latin typeface="Calibri"/>
+                <a:ea typeface="Calibri"/>
+                <a:cs typeface="Calibri"/>
+                <a:sym typeface="Calibri"/>
+              </a:rPr>
+              <a:t>Correlación</a:t>
+            </a:r>
+            <a:endParaRPr>
+              <a:latin typeface="Calibri"/>
+              <a:ea typeface="Calibri"/>
+              <a:cs typeface="Calibri"/>
+              <a:sym typeface="Calibri"/>
+            </a:endParaRPr>
+          </a:p>
+        </p:txBody>
+      </p:sp>
     </p:spTree>
   </p:cSld>
   <p:clrMapOvr>
@@ -24331,6 +25218,1161 @@
           <p:cNvPr id="250" name="Google Shape;250;p35"/>
           <p:cNvSpPr txBox="1"/>
           <p:nvPr>
+            <p:ph type="title"/>
+          </p:nvPr>
+        </p:nvSpPr>
+        <p:spPr>
+          <a:xfrm>
+            <a:off x="1804100" y="171125"/>
+            <a:ext cx="6767400" cy="1143000"/>
+          </a:xfrm>
+          <a:prstGeom prst="rect">
+            <a:avLst/>
+          </a:prstGeom>
+        </p:spPr>
+        <p:txBody>
+          <a:bodyPr anchorCtr="0" anchor="ctr" bIns="45700" lIns="91425" spcFirstLastPara="1" rIns="91425" wrap="square" tIns="45700">
+            <a:noAutofit/>
+          </a:bodyPr>
+          <a:lstStyle/>
+          <a:p>
+            <a:pPr indent="0" lvl="0" marL="0" rtl="0" algn="l">
+              <a:spcBef>
+                <a:spcPts val="0"/>
+              </a:spcBef>
+              <a:spcAft>
+                <a:spcPts val="0"/>
+              </a:spcAft>
+              <a:buNone/>
+            </a:pPr>
+            <a:r>
+              <a:rPr b="1" lang="ru-RU"/>
+              <a:t>APRENDIZAJE NO SUPERVISADO</a:t>
+            </a:r>
+            <a:endParaRPr b="1"/>
+          </a:p>
+        </p:txBody>
+      </p:sp>
+      <p:sp>
+        <p:nvSpPr>
+          <p:cNvPr id="251" name="Google Shape;251;p35"/>
+          <p:cNvSpPr txBox="1"/>
+          <p:nvPr>
+            <p:ph idx="12" type="sldNum"/>
+          </p:nvPr>
+        </p:nvSpPr>
+        <p:spPr>
+          <a:xfrm>
+            <a:off x="6553200" y="6453188"/>
+            <a:ext cx="2133600" cy="268200"/>
+          </a:xfrm>
+          <a:prstGeom prst="rect">
+            <a:avLst/>
+          </a:prstGeom>
+        </p:spPr>
+        <p:txBody>
+          <a:bodyPr anchorCtr="0" anchor="t" bIns="45700" lIns="91425" spcFirstLastPara="1" rIns="91425" wrap="square" tIns="45700">
+            <a:noAutofit/>
+          </a:bodyPr>
+          <a:lstStyle/>
+          <a:p>
+            <a:pPr indent="0" lvl="0" marL="0" rtl="0" algn="r">
+              <a:spcBef>
+                <a:spcPts val="0"/>
+              </a:spcBef>
+              <a:spcAft>
+                <a:spcPts val="0"/>
+              </a:spcAft>
+              <a:buClr>
+                <a:srgbClr val="000000"/>
+              </a:buClr>
+              <a:buFont typeface="Arial"/>
+              <a:buNone/>
+            </a:pPr>
+            <a:fld id="{00000000-1234-1234-1234-123412341234}" type="slidenum">
+              <a:rPr lang="ru-RU"/>
+              <a:t>‹#›</a:t>
+            </a:fld>
+            <a:endParaRPr/>
+          </a:p>
+        </p:txBody>
+      </p:sp>
+      <p:pic>
+        <p:nvPicPr>
+          <p:cNvPr id="252" name="Google Shape;252;p35"/>
+          <p:cNvPicPr preferRelativeResize="0"/>
+          <p:nvPr/>
+        </p:nvPicPr>
+        <p:blipFill>
+          <a:blip r:embed="rId3">
+            <a:alphaModFix/>
+          </a:blip>
+          <a:stretch>
+            <a:fillRect/>
+          </a:stretch>
+        </p:blipFill>
+        <p:spPr>
+          <a:xfrm>
+            <a:off x="823847" y="1476062"/>
+            <a:ext cx="7747652" cy="4143688"/>
+          </a:xfrm>
+          <a:prstGeom prst="rect">
+            <a:avLst/>
+          </a:prstGeom>
+          <a:noFill/>
+          <a:ln>
+            <a:noFill/>
+          </a:ln>
+        </p:spPr>
+      </p:pic>
+    </p:spTree>
+  </p:cSld>
+  <p:clrMapOvr>
+    <a:masterClrMapping/>
+  </p:clrMapOvr>
+</p:sld>
+</file>
+
+<file path=ppt/slides/slide12.xml><?xml version="1.0" encoding="utf-8"?>
+<p:sld xmlns:a="http://schemas.openxmlformats.org/drawingml/2006/main" xmlns:r="http://schemas.openxmlformats.org/officeDocument/2006/relationships" xmlns:mc="http://schemas.openxmlformats.org/markup-compatibility/2006" xmlns:mv="urn:schemas-microsoft-com:mac:vml" xmlns:p="http://schemas.openxmlformats.org/presentationml/2006/main" xmlns:c="http://schemas.openxmlformats.org/drawingml/2006/chart" xmlns:dgm="http://schemas.openxmlformats.org/drawingml/2006/diagram" xmlns:o="urn:schemas-microsoft-com:office:office" xmlns:v="urn:schemas-microsoft-com:vml" xmlns:pvml="urn:schemas-microsoft-com:office:powerpoint" xmlns:com="http://schemas.openxmlformats.org/drawingml/2006/compatibility" xmlns:p14="http://schemas.microsoft.com/office/powerpoint/2010/main" xmlns:p15="http://schemas.microsoft.com/office/powerpoint/2012/main" xmlns:ahyp="http://schemas.microsoft.com/office/drawing/2018/hyperlinkcolor">
+  <p:cSld>
+    <p:spTree>
+      <p:nvGrpSpPr>
+        <p:cNvPr id="257" name="Shape 257"/>
+        <p:cNvGrpSpPr/>
+        <p:nvPr/>
+      </p:nvGrpSpPr>
+      <p:grpSpPr>
+        <a:xfrm>
+          <a:off x="0" y="0"/>
+          <a:ext cx="0" cy="0"/>
+          <a:chOff x="0" y="0"/>
+          <a:chExt cx="0" cy="0"/>
+        </a:xfrm>
+      </p:grpSpPr>
+      <p:sp>
+        <p:nvSpPr>
+          <p:cNvPr id="258" name="Google Shape;258;p36"/>
+          <p:cNvSpPr txBox="1"/>
+          <p:nvPr>
+            <p:ph type="title"/>
+          </p:nvPr>
+        </p:nvSpPr>
+        <p:spPr>
+          <a:xfrm>
+            <a:off x="1908175" y="260350"/>
+            <a:ext cx="6767400" cy="1143000"/>
+          </a:xfrm>
+          <a:prstGeom prst="rect">
+            <a:avLst/>
+          </a:prstGeom>
+        </p:spPr>
+        <p:txBody>
+          <a:bodyPr anchorCtr="0" anchor="ctr" bIns="45700" lIns="91425" spcFirstLastPara="1" rIns="91425" wrap="square" tIns="45700">
+            <a:noAutofit/>
+          </a:bodyPr>
+          <a:lstStyle/>
+          <a:p>
+            <a:pPr indent="0" lvl="0" marL="0" rtl="0" algn="l">
+              <a:spcBef>
+                <a:spcPts val="0"/>
+              </a:spcBef>
+              <a:spcAft>
+                <a:spcPts val="0"/>
+              </a:spcAft>
+              <a:buNone/>
+            </a:pPr>
+            <a:r>
+              <a:rPr b="1" lang="ru-RU"/>
+              <a:t>APRENDIZAJE </a:t>
+            </a:r>
+            <a:r>
+              <a:rPr b="1" lang="ru-RU"/>
+              <a:t>NO SUPERVISADO</a:t>
+            </a:r>
+            <a:endParaRPr b="1"/>
+          </a:p>
+        </p:txBody>
+      </p:sp>
+      <p:sp>
+        <p:nvSpPr>
+          <p:cNvPr id="259" name="Google Shape;259;p36"/>
+          <p:cNvSpPr txBox="1"/>
+          <p:nvPr>
+            <p:ph idx="12" type="sldNum"/>
+          </p:nvPr>
+        </p:nvSpPr>
+        <p:spPr>
+          <a:xfrm>
+            <a:off x="6553200" y="6453188"/>
+            <a:ext cx="2133600" cy="268200"/>
+          </a:xfrm>
+          <a:prstGeom prst="rect">
+            <a:avLst/>
+          </a:prstGeom>
+        </p:spPr>
+        <p:txBody>
+          <a:bodyPr anchorCtr="0" anchor="t" bIns="45700" lIns="91425" spcFirstLastPara="1" rIns="91425" wrap="square" tIns="45700">
+            <a:noAutofit/>
+          </a:bodyPr>
+          <a:lstStyle/>
+          <a:p>
+            <a:pPr indent="0" lvl="0" marL="0" rtl="0" algn="r">
+              <a:spcBef>
+                <a:spcPts val="0"/>
+              </a:spcBef>
+              <a:spcAft>
+                <a:spcPts val="0"/>
+              </a:spcAft>
+              <a:buClr>
+                <a:srgbClr val="000000"/>
+              </a:buClr>
+              <a:buFont typeface="Arial"/>
+              <a:buNone/>
+            </a:pPr>
+            <a:fld id="{00000000-1234-1234-1234-123412341234}" type="slidenum">
+              <a:rPr lang="ru-RU"/>
+              <a:t>‹#›</a:t>
+            </a:fld>
+            <a:endParaRPr/>
+          </a:p>
+        </p:txBody>
+      </p:sp>
+      <p:pic>
+        <p:nvPicPr>
+          <p:cNvPr id="260" name="Google Shape;260;p36"/>
+          <p:cNvPicPr preferRelativeResize="0"/>
+          <p:nvPr/>
+        </p:nvPicPr>
+        <p:blipFill rotWithShape="1">
+          <a:blip r:embed="rId3">
+            <a:alphaModFix/>
+          </a:blip>
+          <a:srcRect b="0" l="0" r="32446" t="0"/>
+          <a:stretch/>
+        </p:blipFill>
+        <p:spPr>
+          <a:xfrm>
+            <a:off x="2286000" y="1698575"/>
+            <a:ext cx="5524500" cy="4239000"/>
+          </a:xfrm>
+          <a:prstGeom prst="rect">
+            <a:avLst/>
+          </a:prstGeom>
+          <a:noFill/>
+          <a:ln>
+            <a:noFill/>
+          </a:ln>
+        </p:spPr>
+      </p:pic>
+    </p:spTree>
+  </p:cSld>
+  <p:clrMapOvr>
+    <a:masterClrMapping/>
+  </p:clrMapOvr>
+</p:sld>
+</file>
+
+<file path=ppt/slides/slide13.xml><?xml version="1.0" encoding="utf-8"?>
+<p:sld xmlns:a="http://schemas.openxmlformats.org/drawingml/2006/main" xmlns:r="http://schemas.openxmlformats.org/officeDocument/2006/relationships" xmlns:mc="http://schemas.openxmlformats.org/markup-compatibility/2006" xmlns:mv="urn:schemas-microsoft-com:mac:vml" xmlns:p="http://schemas.openxmlformats.org/presentationml/2006/main" xmlns:c="http://schemas.openxmlformats.org/drawingml/2006/chart" xmlns:dgm="http://schemas.openxmlformats.org/drawingml/2006/diagram" xmlns:o="urn:schemas-microsoft-com:office:office" xmlns:v="urn:schemas-microsoft-com:vml" xmlns:pvml="urn:schemas-microsoft-com:office:powerpoint" xmlns:com="http://schemas.openxmlformats.org/drawingml/2006/compatibility" xmlns:p14="http://schemas.microsoft.com/office/powerpoint/2010/main" xmlns:p15="http://schemas.microsoft.com/office/powerpoint/2012/main" xmlns:ahyp="http://schemas.microsoft.com/office/drawing/2018/hyperlinkcolor">
+  <p:cSld>
+    <p:spTree>
+      <p:nvGrpSpPr>
+        <p:cNvPr id="265" name="Shape 265"/>
+        <p:cNvGrpSpPr/>
+        <p:nvPr/>
+      </p:nvGrpSpPr>
+      <p:grpSpPr>
+        <a:xfrm>
+          <a:off x="0" y="0"/>
+          <a:ext cx="0" cy="0"/>
+          <a:chOff x="0" y="0"/>
+          <a:chExt cx="0" cy="0"/>
+        </a:xfrm>
+      </p:grpSpPr>
+      <p:sp>
+        <p:nvSpPr>
+          <p:cNvPr id="266" name="Google Shape;266;p37"/>
+          <p:cNvSpPr txBox="1"/>
+          <p:nvPr>
+            <p:ph type="title"/>
+          </p:nvPr>
+        </p:nvSpPr>
+        <p:spPr>
+          <a:xfrm>
+            <a:off x="1908175" y="260350"/>
+            <a:ext cx="6767400" cy="1143000"/>
+          </a:xfrm>
+          <a:prstGeom prst="rect">
+            <a:avLst/>
+          </a:prstGeom>
+        </p:spPr>
+        <p:txBody>
+          <a:bodyPr anchorCtr="0" anchor="ctr" bIns="45700" lIns="91425" spcFirstLastPara="1" rIns="91425" wrap="square" tIns="45700">
+            <a:noAutofit/>
+          </a:bodyPr>
+          <a:lstStyle/>
+          <a:p>
+            <a:pPr indent="0" lvl="0" marL="0" rtl="0" algn="l">
+              <a:spcBef>
+                <a:spcPts val="0"/>
+              </a:spcBef>
+              <a:spcAft>
+                <a:spcPts val="0"/>
+              </a:spcAft>
+              <a:buNone/>
+            </a:pPr>
+            <a:r>
+              <a:rPr b="1" lang="ru-RU"/>
+              <a:t>APRENDIZAJE</a:t>
+            </a:r>
+            <a:r>
+              <a:rPr b="1" lang="ru-RU"/>
+              <a:t> NO SUPERVISADO</a:t>
+            </a:r>
+            <a:endParaRPr b="1"/>
+          </a:p>
+        </p:txBody>
+      </p:sp>
+      <p:sp>
+        <p:nvSpPr>
+          <p:cNvPr id="267" name="Google Shape;267;p37"/>
+          <p:cNvSpPr txBox="1"/>
+          <p:nvPr>
+            <p:ph idx="12" type="sldNum"/>
+          </p:nvPr>
+        </p:nvSpPr>
+        <p:spPr>
+          <a:xfrm>
+            <a:off x="6553200" y="6453188"/>
+            <a:ext cx="2133600" cy="268200"/>
+          </a:xfrm>
+          <a:prstGeom prst="rect">
+            <a:avLst/>
+          </a:prstGeom>
+        </p:spPr>
+        <p:txBody>
+          <a:bodyPr anchorCtr="0" anchor="t" bIns="45700" lIns="91425" spcFirstLastPara="1" rIns="91425" wrap="square" tIns="45700">
+            <a:noAutofit/>
+          </a:bodyPr>
+          <a:lstStyle/>
+          <a:p>
+            <a:pPr indent="0" lvl="0" marL="0" rtl="0" algn="r">
+              <a:spcBef>
+                <a:spcPts val="0"/>
+              </a:spcBef>
+              <a:spcAft>
+                <a:spcPts val="0"/>
+              </a:spcAft>
+              <a:buClr>
+                <a:srgbClr val="000000"/>
+              </a:buClr>
+              <a:buFont typeface="Arial"/>
+              <a:buNone/>
+            </a:pPr>
+            <a:fld id="{00000000-1234-1234-1234-123412341234}" type="slidenum">
+              <a:rPr lang="ru-RU"/>
+              <a:t>‹#›</a:t>
+            </a:fld>
+            <a:endParaRPr/>
+          </a:p>
+        </p:txBody>
+      </p:sp>
+      <p:pic>
+        <p:nvPicPr>
+          <p:cNvPr id="268" name="Google Shape;268;p37"/>
+          <p:cNvPicPr preferRelativeResize="0"/>
+          <p:nvPr/>
+        </p:nvPicPr>
+        <p:blipFill>
+          <a:blip r:embed="rId3">
+            <a:alphaModFix/>
+          </a:blip>
+          <a:stretch>
+            <a:fillRect/>
+          </a:stretch>
+        </p:blipFill>
+        <p:spPr>
+          <a:xfrm>
+            <a:off x="829937" y="1488500"/>
+            <a:ext cx="7484124" cy="4300149"/>
+          </a:xfrm>
+          <a:prstGeom prst="rect">
+            <a:avLst/>
+          </a:prstGeom>
+          <a:noFill/>
+          <a:ln>
+            <a:noFill/>
+          </a:ln>
+        </p:spPr>
+      </p:pic>
+    </p:spTree>
+  </p:cSld>
+  <p:clrMapOvr>
+    <a:masterClrMapping/>
+  </p:clrMapOvr>
+</p:sld>
+</file>
+
+<file path=ppt/slides/slide14.xml><?xml version="1.0" encoding="utf-8"?>
+<p:sld xmlns:a="http://schemas.openxmlformats.org/drawingml/2006/main" xmlns:r="http://schemas.openxmlformats.org/officeDocument/2006/relationships" xmlns:mc="http://schemas.openxmlformats.org/markup-compatibility/2006" xmlns:mv="urn:schemas-microsoft-com:mac:vml" xmlns:p="http://schemas.openxmlformats.org/presentationml/2006/main" xmlns:c="http://schemas.openxmlformats.org/drawingml/2006/chart" xmlns:dgm="http://schemas.openxmlformats.org/drawingml/2006/diagram" xmlns:o="urn:schemas-microsoft-com:office:office" xmlns:v="urn:schemas-microsoft-com:vml" xmlns:pvml="urn:schemas-microsoft-com:office:powerpoint" xmlns:com="http://schemas.openxmlformats.org/drawingml/2006/compatibility" xmlns:p14="http://schemas.microsoft.com/office/powerpoint/2010/main" xmlns:p15="http://schemas.microsoft.com/office/powerpoint/2012/main" xmlns:ahyp="http://schemas.microsoft.com/office/drawing/2018/hyperlinkcolor">
+  <p:cSld>
+    <p:spTree>
+      <p:nvGrpSpPr>
+        <p:cNvPr id="273" name="Shape 273"/>
+        <p:cNvGrpSpPr/>
+        <p:nvPr/>
+      </p:nvGrpSpPr>
+      <p:grpSpPr>
+        <a:xfrm>
+          <a:off x="0" y="0"/>
+          <a:ext cx="0" cy="0"/>
+          <a:chOff x="0" y="0"/>
+          <a:chExt cx="0" cy="0"/>
+        </a:xfrm>
+      </p:grpSpPr>
+      <p:sp>
+        <p:nvSpPr>
+          <p:cNvPr id="274" name="Google Shape;274;p38"/>
+          <p:cNvSpPr txBox="1"/>
+          <p:nvPr>
+            <p:ph type="title"/>
+          </p:nvPr>
+        </p:nvSpPr>
+        <p:spPr>
+          <a:xfrm>
+            <a:off x="1908175" y="260350"/>
+            <a:ext cx="6767400" cy="1143000"/>
+          </a:xfrm>
+          <a:prstGeom prst="rect">
+            <a:avLst/>
+          </a:prstGeom>
+        </p:spPr>
+        <p:txBody>
+          <a:bodyPr anchorCtr="0" anchor="ctr" bIns="45700" lIns="91425" spcFirstLastPara="1" rIns="91425" wrap="square" tIns="45700">
+            <a:noAutofit/>
+          </a:bodyPr>
+          <a:lstStyle/>
+          <a:p>
+            <a:pPr indent="0" lvl="0" marL="0" rtl="0" algn="l">
+              <a:spcBef>
+                <a:spcPts val="0"/>
+              </a:spcBef>
+              <a:spcAft>
+                <a:spcPts val="0"/>
+              </a:spcAft>
+              <a:buNone/>
+            </a:pPr>
+            <a:r>
+              <a:rPr b="1" lang="ru-RU"/>
+              <a:t>APRENDIZAJE</a:t>
+            </a:r>
+            <a:r>
+              <a:rPr b="1" lang="ru-RU"/>
+              <a:t> NO SUPERVISADO</a:t>
+            </a:r>
+            <a:endParaRPr b="1"/>
+          </a:p>
+        </p:txBody>
+      </p:sp>
+      <p:sp>
+        <p:nvSpPr>
+          <p:cNvPr id="275" name="Google Shape;275;p38"/>
+          <p:cNvSpPr txBox="1"/>
+          <p:nvPr>
+            <p:ph idx="12" type="sldNum"/>
+          </p:nvPr>
+        </p:nvSpPr>
+        <p:spPr>
+          <a:xfrm>
+            <a:off x="6553200" y="6453188"/>
+            <a:ext cx="2133600" cy="268200"/>
+          </a:xfrm>
+          <a:prstGeom prst="rect">
+            <a:avLst/>
+          </a:prstGeom>
+        </p:spPr>
+        <p:txBody>
+          <a:bodyPr anchorCtr="0" anchor="t" bIns="45700" lIns="91425" spcFirstLastPara="1" rIns="91425" wrap="square" tIns="45700">
+            <a:noAutofit/>
+          </a:bodyPr>
+          <a:lstStyle/>
+          <a:p>
+            <a:pPr indent="0" lvl="0" marL="0" rtl="0" algn="r">
+              <a:spcBef>
+                <a:spcPts val="0"/>
+              </a:spcBef>
+              <a:spcAft>
+                <a:spcPts val="0"/>
+              </a:spcAft>
+              <a:buClr>
+                <a:srgbClr val="000000"/>
+              </a:buClr>
+              <a:buFont typeface="Arial"/>
+              <a:buNone/>
+            </a:pPr>
+            <a:fld id="{00000000-1234-1234-1234-123412341234}" type="slidenum">
+              <a:rPr lang="ru-RU"/>
+              <a:t>‹#›</a:t>
+            </a:fld>
+            <a:endParaRPr/>
+          </a:p>
+        </p:txBody>
+      </p:sp>
+      <p:pic>
+        <p:nvPicPr>
+          <p:cNvPr id="276" name="Google Shape;276;p38"/>
+          <p:cNvPicPr preferRelativeResize="0"/>
+          <p:nvPr/>
+        </p:nvPicPr>
+        <p:blipFill>
+          <a:blip r:embed="rId3">
+            <a:alphaModFix/>
+          </a:blip>
+          <a:stretch>
+            <a:fillRect/>
+          </a:stretch>
+        </p:blipFill>
+        <p:spPr>
+          <a:xfrm>
+            <a:off x="2305952" y="1474088"/>
+            <a:ext cx="5971835" cy="4612512"/>
+          </a:xfrm>
+          <a:prstGeom prst="rect">
+            <a:avLst/>
+          </a:prstGeom>
+          <a:noFill/>
+          <a:ln>
+            <a:noFill/>
+          </a:ln>
+        </p:spPr>
+      </p:pic>
+    </p:spTree>
+  </p:cSld>
+  <p:clrMapOvr>
+    <a:masterClrMapping/>
+  </p:clrMapOvr>
+</p:sld>
+</file>
+
+<file path=ppt/slides/slide15.xml><?xml version="1.0" encoding="utf-8"?>
+<p:sld xmlns:a="http://schemas.openxmlformats.org/drawingml/2006/main" xmlns:r="http://schemas.openxmlformats.org/officeDocument/2006/relationships" xmlns:mc="http://schemas.openxmlformats.org/markup-compatibility/2006" xmlns:mv="urn:schemas-microsoft-com:mac:vml" xmlns:p="http://schemas.openxmlformats.org/presentationml/2006/main" xmlns:c="http://schemas.openxmlformats.org/drawingml/2006/chart" xmlns:dgm="http://schemas.openxmlformats.org/drawingml/2006/diagram" xmlns:o="urn:schemas-microsoft-com:office:office" xmlns:v="urn:schemas-microsoft-com:vml" xmlns:pvml="urn:schemas-microsoft-com:office:powerpoint" xmlns:com="http://schemas.openxmlformats.org/drawingml/2006/compatibility" xmlns:p14="http://schemas.microsoft.com/office/powerpoint/2010/main" xmlns:p15="http://schemas.microsoft.com/office/powerpoint/2012/main" xmlns:ahyp="http://schemas.microsoft.com/office/drawing/2018/hyperlinkcolor">
+  <p:cSld>
+    <p:spTree>
+      <p:nvGrpSpPr>
+        <p:cNvPr id="281" name="Shape 281"/>
+        <p:cNvGrpSpPr/>
+        <p:nvPr/>
+      </p:nvGrpSpPr>
+      <p:grpSpPr>
+        <a:xfrm>
+          <a:off x="0" y="0"/>
+          <a:ext cx="0" cy="0"/>
+          <a:chOff x="0" y="0"/>
+          <a:chExt cx="0" cy="0"/>
+        </a:xfrm>
+      </p:grpSpPr>
+      <p:sp>
+        <p:nvSpPr>
+          <p:cNvPr id="282" name="Google Shape;282;p39"/>
+          <p:cNvSpPr txBox="1"/>
+          <p:nvPr>
+            <p:ph type="title"/>
+          </p:nvPr>
+        </p:nvSpPr>
+        <p:spPr>
+          <a:xfrm>
+            <a:off x="1908175" y="260350"/>
+            <a:ext cx="6767400" cy="1143000"/>
+          </a:xfrm>
+          <a:prstGeom prst="rect">
+            <a:avLst/>
+          </a:prstGeom>
+        </p:spPr>
+        <p:txBody>
+          <a:bodyPr anchorCtr="0" anchor="ctr" bIns="45700" lIns="91425" spcFirstLastPara="1" rIns="91425" wrap="square" tIns="45700">
+            <a:noAutofit/>
+          </a:bodyPr>
+          <a:lstStyle/>
+          <a:p>
+            <a:pPr indent="0" lvl="0" marL="0" rtl="0" algn="l">
+              <a:spcBef>
+                <a:spcPts val="0"/>
+              </a:spcBef>
+              <a:spcAft>
+                <a:spcPts val="0"/>
+              </a:spcAft>
+              <a:buNone/>
+            </a:pPr>
+            <a:r>
+              <a:rPr b="1" lang="ru-RU"/>
+              <a:t>RESULTADOS</a:t>
+            </a:r>
+            <a:endParaRPr b="1"/>
+          </a:p>
+        </p:txBody>
+      </p:sp>
+      <p:sp>
+        <p:nvSpPr>
+          <p:cNvPr id="283" name="Google Shape;283;p39"/>
+          <p:cNvSpPr txBox="1"/>
+          <p:nvPr>
+            <p:ph idx="12" type="sldNum"/>
+          </p:nvPr>
+        </p:nvSpPr>
+        <p:spPr>
+          <a:xfrm>
+            <a:off x="6553200" y="6453188"/>
+            <a:ext cx="2133600" cy="268200"/>
+          </a:xfrm>
+          <a:prstGeom prst="rect">
+            <a:avLst/>
+          </a:prstGeom>
+        </p:spPr>
+        <p:txBody>
+          <a:bodyPr anchorCtr="0" anchor="t" bIns="45700" lIns="91425" spcFirstLastPara="1" rIns="91425" wrap="square" tIns="45700">
+            <a:noAutofit/>
+          </a:bodyPr>
+          <a:lstStyle/>
+          <a:p>
+            <a:pPr indent="0" lvl="0" marL="0" rtl="0" algn="r">
+              <a:spcBef>
+                <a:spcPts val="0"/>
+              </a:spcBef>
+              <a:spcAft>
+                <a:spcPts val="0"/>
+              </a:spcAft>
+              <a:buClr>
+                <a:srgbClr val="000000"/>
+              </a:buClr>
+              <a:buFont typeface="Arial"/>
+              <a:buNone/>
+            </a:pPr>
+            <a:fld id="{00000000-1234-1234-1234-123412341234}" type="slidenum">
+              <a:rPr lang="ru-RU"/>
+              <a:t>‹#›</a:t>
+            </a:fld>
+            <a:endParaRPr/>
+          </a:p>
+        </p:txBody>
+      </p:sp>
+      <p:pic>
+        <p:nvPicPr>
+          <p:cNvPr id="284" name="Google Shape;284;p39"/>
+          <p:cNvPicPr preferRelativeResize="0"/>
+          <p:nvPr/>
+        </p:nvPicPr>
+        <p:blipFill>
+          <a:blip r:embed="rId3">
+            <a:alphaModFix/>
+          </a:blip>
+          <a:stretch>
+            <a:fillRect/>
+          </a:stretch>
+        </p:blipFill>
+        <p:spPr>
+          <a:xfrm>
+            <a:off x="1769600" y="1240275"/>
+            <a:ext cx="4105275" cy="2600325"/>
+          </a:xfrm>
+          <a:prstGeom prst="rect">
+            <a:avLst/>
+          </a:prstGeom>
+          <a:noFill/>
+          <a:ln>
+            <a:noFill/>
+          </a:ln>
+        </p:spPr>
+      </p:pic>
+      <p:pic>
+        <p:nvPicPr>
+          <p:cNvPr id="285" name="Google Shape;285;p39"/>
+          <p:cNvPicPr preferRelativeResize="0"/>
+          <p:nvPr/>
+        </p:nvPicPr>
+        <p:blipFill>
+          <a:blip r:embed="rId4">
+            <a:alphaModFix/>
+          </a:blip>
+          <a:stretch>
+            <a:fillRect/>
+          </a:stretch>
+        </p:blipFill>
+        <p:spPr>
+          <a:xfrm>
+            <a:off x="5559424" y="1240275"/>
+            <a:ext cx="3442825" cy="2533650"/>
+          </a:xfrm>
+          <a:prstGeom prst="rect">
+            <a:avLst/>
+          </a:prstGeom>
+          <a:noFill/>
+          <a:ln>
+            <a:noFill/>
+          </a:ln>
+        </p:spPr>
+      </p:pic>
+      <p:pic>
+        <p:nvPicPr>
+          <p:cNvPr id="286" name="Google Shape;286;p39"/>
+          <p:cNvPicPr preferRelativeResize="0"/>
+          <p:nvPr/>
+        </p:nvPicPr>
+        <p:blipFill>
+          <a:blip r:embed="rId5">
+            <a:alphaModFix/>
+          </a:blip>
+          <a:stretch>
+            <a:fillRect/>
+          </a:stretch>
+        </p:blipFill>
+        <p:spPr>
+          <a:xfrm>
+            <a:off x="1974950" y="3923275"/>
+            <a:ext cx="3789828" cy="2600325"/>
+          </a:xfrm>
+          <a:prstGeom prst="rect">
+            <a:avLst/>
+          </a:prstGeom>
+          <a:noFill/>
+          <a:ln>
+            <a:noFill/>
+          </a:ln>
+        </p:spPr>
+      </p:pic>
+      <p:pic>
+        <p:nvPicPr>
+          <p:cNvPr id="287" name="Google Shape;287;p39"/>
+          <p:cNvPicPr preferRelativeResize="0"/>
+          <p:nvPr/>
+        </p:nvPicPr>
+        <p:blipFill>
+          <a:blip r:embed="rId6">
+            <a:alphaModFix/>
+          </a:blip>
+          <a:stretch>
+            <a:fillRect/>
+          </a:stretch>
+        </p:blipFill>
+        <p:spPr>
+          <a:xfrm>
+            <a:off x="5609575" y="4022350"/>
+            <a:ext cx="3442825" cy="2249102"/>
+          </a:xfrm>
+          <a:prstGeom prst="rect">
+            <a:avLst/>
+          </a:prstGeom>
+          <a:noFill/>
+          <a:ln>
+            <a:noFill/>
+          </a:ln>
+        </p:spPr>
+      </p:pic>
+      <p:sp>
+        <p:nvSpPr>
+          <p:cNvPr id="288" name="Google Shape;288;p39"/>
+          <p:cNvSpPr txBox="1"/>
+          <p:nvPr/>
+        </p:nvSpPr>
+        <p:spPr>
+          <a:xfrm>
+            <a:off x="2432275" y="6387200"/>
+            <a:ext cx="2595300" cy="400200"/>
+          </a:xfrm>
+          <a:prstGeom prst="rect">
+            <a:avLst/>
+          </a:prstGeom>
+          <a:noFill/>
+          <a:ln>
+            <a:noFill/>
+          </a:ln>
+        </p:spPr>
+        <p:txBody>
+          <a:bodyPr anchorCtr="0" anchor="t" bIns="91425" lIns="91425" spcFirstLastPara="1" rIns="91425" wrap="square" tIns="91425">
+            <a:spAutoFit/>
+          </a:bodyPr>
+          <a:lstStyle/>
+          <a:p>
+            <a:pPr indent="0" lvl="0" marL="0" rtl="0" algn="l">
+              <a:spcBef>
+                <a:spcPts val="0"/>
+              </a:spcBef>
+              <a:spcAft>
+                <a:spcPts val="0"/>
+              </a:spcAft>
+              <a:buNone/>
+            </a:pPr>
+            <a:r>
+              <a:rPr lang="ru-RU">
+                <a:latin typeface="Calibri"/>
+                <a:ea typeface="Calibri"/>
+                <a:cs typeface="Calibri"/>
+                <a:sym typeface="Calibri"/>
+              </a:rPr>
+              <a:t>Algoritmos</a:t>
+            </a:r>
+            <a:endParaRPr>
+              <a:latin typeface="Calibri"/>
+              <a:ea typeface="Calibri"/>
+              <a:cs typeface="Calibri"/>
+              <a:sym typeface="Calibri"/>
+            </a:endParaRPr>
+          </a:p>
+        </p:txBody>
+      </p:sp>
+      <p:sp>
+        <p:nvSpPr>
+          <p:cNvPr id="289" name="Google Shape;289;p39"/>
+          <p:cNvSpPr txBox="1"/>
+          <p:nvPr/>
+        </p:nvSpPr>
+        <p:spPr>
+          <a:xfrm>
+            <a:off x="6083288" y="6387200"/>
+            <a:ext cx="2495400" cy="400200"/>
+          </a:xfrm>
+          <a:prstGeom prst="rect">
+            <a:avLst/>
+          </a:prstGeom>
+          <a:noFill/>
+          <a:ln>
+            <a:noFill/>
+          </a:ln>
+        </p:spPr>
+        <p:txBody>
+          <a:bodyPr anchorCtr="0" anchor="t" bIns="91425" lIns="91425" spcFirstLastPara="1" rIns="91425" wrap="square" tIns="91425">
+            <a:spAutoFit/>
+          </a:bodyPr>
+          <a:lstStyle/>
+          <a:p>
+            <a:pPr indent="0" lvl="0" marL="0" rtl="0" algn="l">
+              <a:spcBef>
+                <a:spcPts val="0"/>
+              </a:spcBef>
+              <a:spcAft>
+                <a:spcPts val="0"/>
+              </a:spcAft>
+              <a:buNone/>
+            </a:pPr>
+            <a:r>
+              <a:rPr lang="ru-RU">
+                <a:latin typeface="Calibri"/>
+                <a:ea typeface="Calibri"/>
+                <a:cs typeface="Calibri"/>
+                <a:sym typeface="Calibri"/>
+              </a:rPr>
+              <a:t>Error cuadrático medio</a:t>
+            </a:r>
+            <a:endParaRPr>
+              <a:latin typeface="Calibri"/>
+              <a:ea typeface="Calibri"/>
+              <a:cs typeface="Calibri"/>
+              <a:sym typeface="Calibri"/>
+            </a:endParaRPr>
+          </a:p>
+        </p:txBody>
+      </p:sp>
+      <p:sp>
+        <p:nvSpPr>
+          <p:cNvPr id="290" name="Google Shape;290;p39"/>
+          <p:cNvSpPr txBox="1"/>
+          <p:nvPr/>
+        </p:nvSpPr>
+        <p:spPr>
+          <a:xfrm>
+            <a:off x="219075" y="2800350"/>
+            <a:ext cx="1390800" cy="615600"/>
+          </a:xfrm>
+          <a:prstGeom prst="rect">
+            <a:avLst/>
+          </a:prstGeom>
+          <a:noFill/>
+          <a:ln>
+            <a:noFill/>
+          </a:ln>
+        </p:spPr>
+        <p:txBody>
+          <a:bodyPr anchorCtr="0" anchor="t" bIns="91425" lIns="91425" spcFirstLastPara="1" rIns="91425" wrap="square" tIns="91425">
+            <a:spAutoFit/>
+          </a:bodyPr>
+          <a:lstStyle/>
+          <a:p>
+            <a:pPr indent="0" lvl="0" marL="0" rtl="0" algn="ctr">
+              <a:spcBef>
+                <a:spcPts val="0"/>
+              </a:spcBef>
+              <a:spcAft>
+                <a:spcPts val="0"/>
+              </a:spcAft>
+              <a:buNone/>
+            </a:pPr>
+            <a:r>
+              <a:rPr lang="ru-RU">
+                <a:solidFill>
+                  <a:schemeClr val="lt1"/>
+                </a:solidFill>
+                <a:latin typeface="Calibri"/>
+                <a:ea typeface="Calibri"/>
+                <a:cs typeface="Calibri"/>
+                <a:sym typeface="Calibri"/>
+              </a:rPr>
+              <a:t>TRABAJO A FUTURO</a:t>
+            </a:r>
+            <a:endParaRPr>
+              <a:solidFill>
+                <a:schemeClr val="lt1"/>
+              </a:solidFill>
+              <a:latin typeface="Calibri"/>
+              <a:ea typeface="Calibri"/>
+              <a:cs typeface="Calibri"/>
+              <a:sym typeface="Calibri"/>
+            </a:endParaRPr>
+          </a:p>
+        </p:txBody>
+      </p:sp>
+    </p:spTree>
+  </p:cSld>
+  <p:clrMapOvr>
+    <a:masterClrMapping/>
+  </p:clrMapOvr>
+</p:sld>
+</file>
+
+<file path=ppt/slides/slide16.xml><?xml version="1.0" encoding="utf-8"?>
+<p:sld xmlns:a="http://schemas.openxmlformats.org/drawingml/2006/main" xmlns:r="http://schemas.openxmlformats.org/officeDocument/2006/relationships" xmlns:mc="http://schemas.openxmlformats.org/markup-compatibility/2006" xmlns:mv="urn:schemas-microsoft-com:mac:vml" xmlns:p="http://schemas.openxmlformats.org/presentationml/2006/main" xmlns:c="http://schemas.openxmlformats.org/drawingml/2006/chart" xmlns:dgm="http://schemas.openxmlformats.org/drawingml/2006/diagram" xmlns:o="urn:schemas-microsoft-com:office:office" xmlns:v="urn:schemas-microsoft-com:vml" xmlns:pvml="urn:schemas-microsoft-com:office:powerpoint" xmlns:com="http://schemas.openxmlformats.org/drawingml/2006/compatibility" xmlns:p14="http://schemas.microsoft.com/office/powerpoint/2010/main" xmlns:p15="http://schemas.microsoft.com/office/powerpoint/2012/main" xmlns:ahyp="http://schemas.microsoft.com/office/drawing/2018/hyperlinkcolor">
+  <p:cSld>
+    <p:spTree>
+      <p:nvGrpSpPr>
+        <p:cNvPr id="295" name="Shape 295"/>
+        <p:cNvGrpSpPr/>
+        <p:nvPr/>
+      </p:nvGrpSpPr>
+      <p:grpSpPr>
+        <a:xfrm>
+          <a:off x="0" y="0"/>
+          <a:ext cx="0" cy="0"/>
+          <a:chOff x="0" y="0"/>
+          <a:chExt cx="0" cy="0"/>
+        </a:xfrm>
+      </p:grpSpPr>
+      <p:sp>
+        <p:nvSpPr>
+          <p:cNvPr id="296" name="Google Shape;296;p40"/>
+          <p:cNvSpPr txBox="1"/>
+          <p:nvPr>
+            <p:ph idx="12" type="sldNum"/>
+          </p:nvPr>
+        </p:nvSpPr>
+        <p:spPr>
+          <a:xfrm>
+            <a:off x="6553200" y="6453188"/>
+            <a:ext cx="2133600" cy="268200"/>
+          </a:xfrm>
+          <a:prstGeom prst="rect">
+            <a:avLst/>
+          </a:prstGeom>
+        </p:spPr>
+        <p:txBody>
+          <a:bodyPr anchorCtr="0" anchor="t" bIns="45700" lIns="91425" spcFirstLastPara="1" rIns="91425" wrap="square" tIns="45700">
+            <a:noAutofit/>
+          </a:bodyPr>
+          <a:lstStyle/>
+          <a:p>
+            <a:pPr indent="0" lvl="0" marL="0" rtl="0" algn="r">
+              <a:spcBef>
+                <a:spcPts val="0"/>
+              </a:spcBef>
+              <a:spcAft>
+                <a:spcPts val="0"/>
+              </a:spcAft>
+              <a:buClr>
+                <a:srgbClr val="000000"/>
+              </a:buClr>
+              <a:buFont typeface="Arial"/>
+              <a:buNone/>
+            </a:pPr>
+            <a:fld id="{00000000-1234-1234-1234-123412341234}" type="slidenum">
+              <a:rPr lang="ru-RU"/>
+              <a:t>‹#›</a:t>
+            </a:fld>
+            <a:endParaRPr/>
+          </a:p>
+        </p:txBody>
+      </p:sp>
+      <p:pic>
+        <p:nvPicPr>
+          <p:cNvPr id="297" name="Google Shape;297;p40"/>
+          <p:cNvPicPr preferRelativeResize="0"/>
+          <p:nvPr/>
+        </p:nvPicPr>
+        <p:blipFill>
+          <a:blip r:embed="rId3">
+            <a:alphaModFix/>
+          </a:blip>
+          <a:stretch>
+            <a:fillRect/>
+          </a:stretch>
+        </p:blipFill>
+        <p:spPr>
+          <a:xfrm>
+            <a:off x="2052075" y="182050"/>
+            <a:ext cx="5417925" cy="2881325"/>
+          </a:xfrm>
+          <a:prstGeom prst="rect">
+            <a:avLst/>
+          </a:prstGeom>
+          <a:noFill/>
+          <a:ln>
+            <a:noFill/>
+          </a:ln>
+        </p:spPr>
+      </p:pic>
+      <p:pic>
+        <p:nvPicPr>
+          <p:cNvPr id="298" name="Google Shape;298;p40"/>
+          <p:cNvPicPr preferRelativeResize="0"/>
+          <p:nvPr/>
+        </p:nvPicPr>
+        <p:blipFill>
+          <a:blip r:embed="rId4">
+            <a:alphaModFix/>
+          </a:blip>
+          <a:stretch>
+            <a:fillRect/>
+          </a:stretch>
+        </p:blipFill>
+        <p:spPr>
+          <a:xfrm>
+            <a:off x="4349925" y="3774875"/>
+            <a:ext cx="4336875" cy="2678325"/>
+          </a:xfrm>
+          <a:prstGeom prst="rect">
+            <a:avLst/>
+          </a:prstGeom>
+          <a:noFill/>
+          <a:ln>
+            <a:noFill/>
+          </a:ln>
+        </p:spPr>
+      </p:pic>
+      <p:sp>
+        <p:nvSpPr>
+          <p:cNvPr id="299" name="Google Shape;299;p40"/>
+          <p:cNvSpPr txBox="1"/>
+          <p:nvPr>
+            <p:ph type="title"/>
+          </p:nvPr>
+        </p:nvSpPr>
+        <p:spPr>
+          <a:xfrm>
+            <a:off x="7589100" y="1018663"/>
+            <a:ext cx="1097700" cy="1208100"/>
+          </a:xfrm>
+          <a:prstGeom prst="rect">
+            <a:avLst/>
+          </a:prstGeom>
+          <a:noFill/>
+          <a:ln>
+            <a:noFill/>
+          </a:ln>
+        </p:spPr>
+        <p:txBody>
+          <a:bodyPr anchorCtr="0" anchor="ctr" bIns="45700" lIns="91425" spcFirstLastPara="1" rIns="91425" wrap="square" tIns="45700">
+            <a:noAutofit/>
+          </a:bodyPr>
+          <a:lstStyle/>
+          <a:p>
+            <a:pPr indent="0" lvl="0" marL="0" rtl="0" algn="l">
+              <a:spcBef>
+                <a:spcPts val="0"/>
+              </a:spcBef>
+              <a:spcAft>
+                <a:spcPts val="0"/>
+              </a:spcAft>
+              <a:buNone/>
+            </a:pPr>
+            <a:r>
+              <a:rPr b="1" lang="ru-RU"/>
+              <a:t>RNN</a:t>
+            </a:r>
+            <a:endParaRPr b="1"/>
+          </a:p>
+        </p:txBody>
+      </p:sp>
+      <p:sp>
+        <p:nvSpPr>
+          <p:cNvPr id="300" name="Google Shape;300;p40"/>
+          <p:cNvSpPr txBox="1"/>
+          <p:nvPr>
+            <p:ph type="title"/>
+          </p:nvPr>
+        </p:nvSpPr>
+        <p:spPr>
+          <a:xfrm>
+            <a:off x="1862950" y="4250775"/>
+            <a:ext cx="2386200" cy="1224000"/>
+          </a:xfrm>
+          <a:prstGeom prst="rect">
+            <a:avLst/>
+          </a:prstGeom>
+          <a:noFill/>
+          <a:ln>
+            <a:noFill/>
+          </a:ln>
+        </p:spPr>
+        <p:txBody>
+          <a:bodyPr anchorCtr="0" anchor="ctr" bIns="45700" lIns="91425" spcFirstLastPara="1" rIns="91425" wrap="square" tIns="45700">
+            <a:noAutofit/>
+          </a:bodyPr>
+          <a:lstStyle/>
+          <a:p>
+            <a:pPr indent="0" lvl="0" marL="0" rtl="0" algn="l">
+              <a:spcBef>
+                <a:spcPts val="0"/>
+              </a:spcBef>
+              <a:spcAft>
+                <a:spcPts val="0"/>
+              </a:spcAft>
+              <a:buNone/>
+            </a:pPr>
+            <a:r>
+              <a:rPr b="1" lang="ru-RU"/>
+              <a:t>SERIE TEMPORAL</a:t>
+            </a:r>
+            <a:endParaRPr b="1"/>
+          </a:p>
+        </p:txBody>
+      </p:sp>
+    </p:spTree>
+  </p:cSld>
+  <p:clrMapOvr>
+    <a:masterClrMapping/>
+  </p:clrMapOvr>
+</p:sld>
+</file>
+
+<file path=ppt/slides/slide17.xml><?xml version="1.0" encoding="utf-8"?>
+<p:sld xmlns:a="http://schemas.openxmlformats.org/drawingml/2006/main" xmlns:r="http://schemas.openxmlformats.org/officeDocument/2006/relationships" xmlns:mc="http://schemas.openxmlformats.org/markup-compatibility/2006" xmlns:mv="urn:schemas-microsoft-com:mac:vml" xmlns:p="http://schemas.openxmlformats.org/presentationml/2006/main" xmlns:c="http://schemas.openxmlformats.org/drawingml/2006/chart" xmlns:dgm="http://schemas.openxmlformats.org/drawingml/2006/diagram" xmlns:o="urn:schemas-microsoft-com:office:office" xmlns:v="urn:schemas-microsoft-com:vml" xmlns:pvml="urn:schemas-microsoft-com:office:powerpoint" xmlns:com="http://schemas.openxmlformats.org/drawingml/2006/compatibility" xmlns:p14="http://schemas.microsoft.com/office/powerpoint/2010/main" xmlns:p15="http://schemas.microsoft.com/office/powerpoint/2012/main" xmlns:ahyp="http://schemas.microsoft.com/office/drawing/2018/hyperlinkcolor">
+  <p:cSld>
+    <p:spTree>
+      <p:nvGrpSpPr>
+        <p:cNvPr id="305" name="Shape 305"/>
+        <p:cNvGrpSpPr/>
+        <p:nvPr/>
+      </p:nvGrpSpPr>
+      <p:grpSpPr>
+        <a:xfrm>
+          <a:off x="0" y="0"/>
+          <a:ext cx="0" cy="0"/>
+          <a:chOff x="0" y="0"/>
+          <a:chExt cx="0" cy="0"/>
+        </a:xfrm>
+      </p:grpSpPr>
+      <p:sp>
+        <p:nvSpPr>
+          <p:cNvPr id="306" name="Google Shape;306;p41"/>
+          <p:cNvSpPr txBox="1"/>
+          <p:nvPr>
             <p:ph idx="12" type="sldNum"/>
           </p:nvPr>
         </p:nvSpPr>
@@ -24368,7 +26410,7 @@
       </p:sp>
       <p:sp>
         <p:nvSpPr>
-          <p:cNvPr id="251" name="Google Shape;251;p35"/>
+          <p:cNvPr id="307" name="Google Shape;307;p41"/>
           <p:cNvSpPr txBox="1"/>
           <p:nvPr/>
         </p:nvSpPr>
@@ -26803,6 +28845,24 @@
             <a:r>
               <a:rPr lang="ru-RU"/>
               <a:t>RandomForestRegressor.</a:t>
+            </a:r>
+            <a:endParaRPr/>
+          </a:p>
+          <a:p>
+            <a:pPr indent="-317500" lvl="0" marL="457200" rtl="0" algn="just">
+              <a:spcBef>
+                <a:spcPts val="0"/>
+              </a:spcBef>
+              <a:spcAft>
+                <a:spcPts val="0"/>
+              </a:spcAft>
+              <a:buSzPts val="1400"/>
+              <a:buFont typeface="Arial"/>
+              <a:buChar char="-"/>
+            </a:pPr>
+            <a:r>
+              <a:rPr lang="ru-RU"/>
+              <a:t>Aprendizaje no supervisado.</a:t>
             </a:r>
             <a:endParaRPr/>
           </a:p>
@@ -27147,6 +29207,285 @@
 </file>
 
 <file path=ppt/theme/theme2.xml><?xml version="1.0" encoding="utf-8"?>
+<a:theme xmlns:a="http://schemas.openxmlformats.org/drawingml/2006/main" xmlns:r="http://schemas.openxmlformats.org/officeDocument/2006/relationships" name="Office Theme">
+  <a:themeElements>
+    <a:clrScheme name="">
+      <a:dk1>
+        <a:srgbClr val="000000"/>
+      </a:dk1>
+      <a:lt1>
+        <a:srgbClr val="FFFFFF"/>
+      </a:lt1>
+      <a:dk2>
+        <a:srgbClr val="000000"/>
+      </a:dk2>
+      <a:lt2>
+        <a:srgbClr val="808080"/>
+      </a:lt2>
+      <a:accent1>
+        <a:srgbClr val="BBE0E3"/>
+      </a:accent1>
+      <a:accent2>
+        <a:srgbClr val="333399"/>
+      </a:accent2>
+      <a:accent3>
+        <a:srgbClr val="FFFFFF"/>
+      </a:accent3>
+      <a:accent4>
+        <a:srgbClr val="000000"/>
+      </a:accent4>
+      <a:accent5>
+        <a:srgbClr val="DAEDEF"/>
+      </a:accent5>
+      <a:accent6>
+        <a:srgbClr val="2D2D8A"/>
+      </a:accent6>
+      <a:hlink>
+        <a:srgbClr val="009999"/>
+      </a:hlink>
+      <a:folHlink>
+        <a:srgbClr val="99CC00"/>
+      </a:folHlink>
+    </a:clrScheme>
+    <a:fontScheme name="Office">
+      <a:majorFont>
+        <a:latin typeface="Arial"/>
+        <a:ea typeface=""/>
+        <a:cs typeface=""/>
+        <a:font script="Jpan" typeface="ＭＳ Ｐゴシック"/>
+        <a:font script="Hang" typeface="맑은 고딕"/>
+        <a:font script="Hans" typeface="宋体"/>
+        <a:font script="Hant" typeface="新細明體"/>
+        <a:font script="Arab" typeface="Times New Roman"/>
+        <a:font script="Hebr" typeface="Times New Roman"/>
+        <a:font script="Thai" typeface="Angsana New"/>
+        <a:font script="Ethi" typeface="Nyala"/>
+        <a:font script="Beng" typeface="Vrinda"/>
+        <a:font script="Gujr" typeface="Shruti"/>
+        <a:font script="Khmr" typeface="MoolBoran"/>
+        <a:font script="Knda" typeface="Tunga"/>
+        <a:font script="Guru" typeface="Raavi"/>
+        <a:font script="Cans" typeface="Euphemia"/>
+        <a:font script="Cher" typeface="Plantagenet Cherokee"/>
+        <a:font script="Yiii" typeface="Microsoft Yi Baiti"/>
+        <a:font script="Tibt" typeface="Microsoft Himalaya"/>
+        <a:font script="Thaa" typeface="MV Boli"/>
+        <a:font script="Deva" typeface="Mangal"/>
+        <a:font script="Telu" typeface="Gautami"/>
+        <a:font script="Taml" typeface="Latha"/>
+        <a:font script="Syrc" typeface="Estrangelo Edessa"/>
+        <a:font script="Orya" typeface="Kalinga"/>
+        <a:font script="Mlym" typeface="Kartika"/>
+        <a:font script="Laoo" typeface="DokChampa"/>
+        <a:font script="Sinh" typeface="Iskoola Pota"/>
+        <a:font script="Mong" typeface="Mongolian Baiti"/>
+        <a:font script="Viet" typeface="Times New Roman"/>
+        <a:font script="Uigh" typeface="Microsoft Uighur"/>
+        <a:font script="Geor" typeface="Sylfaen"/>
+      </a:majorFont>
+      <a:minorFont>
+        <a:latin typeface="Arial"/>
+        <a:ea typeface=""/>
+        <a:cs typeface=""/>
+        <a:font script="Jpan" typeface="ＭＳ Ｐゴシック"/>
+        <a:font script="Hang" typeface="맑은 고딕"/>
+        <a:font script="Hans" typeface="宋体"/>
+        <a:font script="Hant" typeface="新細明體"/>
+        <a:font script="Arab" typeface="Arial"/>
+        <a:font script="Hebr" typeface="Arial"/>
+        <a:font script="Thai" typeface="Cordia New"/>
+        <a:font script="Ethi" typeface="Nyala"/>
+        <a:font script="Beng" typeface="Vrinda"/>
+        <a:font script="Gujr" typeface="Shruti"/>
+        <a:font script="Khmr" typeface="DaunPenh"/>
+        <a:font script="Knda" typeface="Tunga"/>
+        <a:font script="Guru" typeface="Raavi"/>
+        <a:font script="Cans" typeface="Euphemia"/>
+        <a:font script="Cher" typeface="Plantagenet Cherokee"/>
+        <a:font script="Yiii" typeface="Microsoft Yi Baiti"/>
+        <a:font script="Tibt" typeface="Microsoft Himalaya"/>
+        <a:font script="Thaa" typeface="MV Boli"/>
+        <a:font script="Deva" typeface="Mangal"/>
+        <a:font script="Telu" typeface="Gautami"/>
+        <a:font script="Taml" typeface="Latha"/>
+        <a:font script="Syrc" typeface="Estrangelo Edessa"/>
+        <a:font script="Orya" typeface="Kalinga"/>
+        <a:font script="Mlym" typeface="Kartika"/>
+        <a:font script="Laoo" typeface="DokChampa"/>
+        <a:font script="Sinh" typeface="Iskoola Pota"/>
+        <a:font script="Mong" typeface="Mongolian Baiti"/>
+        <a:font script="Viet" typeface="Arial"/>
+        <a:font script="Uigh" typeface="Microsoft Uighur"/>
+        <a:font script="Geor" typeface="Sylfaen"/>
+      </a:minorFont>
+    </a:fontScheme>
+    <a:fmtScheme name="Office">
+      <a:fillStyleLst>
+        <a:solidFill>
+          <a:schemeClr val="phClr"/>
+        </a:solidFill>
+        <a:gradFill rotWithShape="1">
+          <a:gsLst>
+            <a:gs pos="0">
+              <a:schemeClr val="phClr">
+                <a:tint val="50000"/>
+                <a:satMod val="300000"/>
+              </a:schemeClr>
+            </a:gs>
+            <a:gs pos="35000">
+              <a:schemeClr val="phClr">
+                <a:tint val="37000"/>
+                <a:satMod val="300000"/>
+              </a:schemeClr>
+            </a:gs>
+            <a:gs pos="100000">
+              <a:schemeClr val="phClr">
+                <a:tint val="15000"/>
+                <a:satMod val="350000"/>
+              </a:schemeClr>
+            </a:gs>
+          </a:gsLst>
+          <a:lin ang="16200000" scaled="1"/>
+        </a:gradFill>
+        <a:gradFill rotWithShape="1">
+          <a:gsLst>
+            <a:gs pos="0">
+              <a:schemeClr val="phClr">
+                <a:tint val="100000"/>
+                <a:shade val="100000"/>
+                <a:satMod val="130000"/>
+              </a:schemeClr>
+            </a:gs>
+            <a:gs pos="100000">
+              <a:schemeClr val="phClr">
+                <a:tint val="50000"/>
+                <a:shade val="100000"/>
+                <a:satMod val="350000"/>
+              </a:schemeClr>
+            </a:gs>
+          </a:gsLst>
+          <a:lin ang="16200000" scaled="0"/>
+        </a:gradFill>
+      </a:fillStyleLst>
+      <a:lnStyleLst>
+        <a:ln w="9525" cap="flat" cmpd="sng" algn="ctr">
+          <a:solidFill>
+            <a:schemeClr val="phClr">
+              <a:shade val="95000"/>
+              <a:satMod val="105000"/>
+            </a:schemeClr>
+          </a:solidFill>
+          <a:prstDash val="solid"/>
+        </a:ln>
+        <a:ln w="25400" cap="flat" cmpd="sng" algn="ctr">
+          <a:solidFill>
+            <a:schemeClr val="phClr"/>
+          </a:solidFill>
+          <a:prstDash val="solid"/>
+        </a:ln>
+        <a:ln w="38100" cap="flat" cmpd="sng" algn="ctr">
+          <a:solidFill>
+            <a:schemeClr val="phClr"/>
+          </a:solidFill>
+          <a:prstDash val="solid"/>
+        </a:ln>
+      </a:lnStyleLst>
+      <a:effectStyleLst>
+        <a:effectStyle>
+          <a:effectLst>
+            <a:outerShdw blurRad="40000" dist="20000" dir="5400000" rotWithShape="0">
+              <a:srgbClr val="000000">
+                <a:alpha val="38000"/>
+              </a:srgbClr>
+            </a:outerShdw>
+          </a:effectLst>
+        </a:effectStyle>
+        <a:effectStyle>
+          <a:effectLst>
+            <a:outerShdw blurRad="40000" dist="23000" dir="5400000" rotWithShape="0">
+              <a:srgbClr val="000000">
+                <a:alpha val="35000"/>
+              </a:srgbClr>
+            </a:outerShdw>
+          </a:effectLst>
+        </a:effectStyle>
+        <a:effectStyle>
+          <a:effectLst>
+            <a:outerShdw blurRad="40000" dist="23000" dir="5400000" rotWithShape="0">
+              <a:srgbClr val="000000">
+                <a:alpha val="35000"/>
+              </a:srgbClr>
+            </a:outerShdw>
+          </a:effectLst>
+          <a:scene3d>
+            <a:camera prst="orthographicFront">
+              <a:rot lat="0" lon="0" rev="0"/>
+            </a:camera>
+            <a:lightRig rig="threePt" dir="t">
+              <a:rot lat="0" lon="0" rev="1200000"/>
+            </a:lightRig>
+          </a:scene3d>
+          <a:sp3d>
+            <a:bevelT w="63500" h="25400"/>
+          </a:sp3d>
+        </a:effectStyle>
+      </a:effectStyleLst>
+      <a:bgFillStyleLst>
+        <a:solidFill>
+          <a:schemeClr val="phClr"/>
+        </a:solidFill>
+        <a:gradFill rotWithShape="1">
+          <a:gsLst>
+            <a:gs pos="0">
+              <a:schemeClr val="phClr">
+                <a:tint val="40000"/>
+                <a:satMod val="350000"/>
+              </a:schemeClr>
+            </a:gs>
+            <a:gs pos="40000">
+              <a:schemeClr val="phClr">
+                <a:tint val="45000"/>
+                <a:shade val="99000"/>
+                <a:satMod val="350000"/>
+              </a:schemeClr>
+            </a:gs>
+            <a:gs pos="100000">
+              <a:schemeClr val="phClr">
+                <a:shade val="20000"/>
+                <a:satMod val="255000"/>
+              </a:schemeClr>
+            </a:gs>
+          </a:gsLst>
+          <a:path path="circle">
+            <a:fillToRect l="50000" t="-80000" r="50000" b="180000"/>
+          </a:path>
+        </a:gradFill>
+        <a:gradFill rotWithShape="1">
+          <a:gsLst>
+            <a:gs pos="0">
+              <a:schemeClr val="phClr">
+                <a:tint val="80000"/>
+                <a:satMod val="300000"/>
+              </a:schemeClr>
+            </a:gs>
+            <a:gs pos="100000">
+              <a:schemeClr val="phClr">
+                <a:shade val="30000"/>
+                <a:satMod val="200000"/>
+              </a:schemeClr>
+            </a:gs>
+          </a:gsLst>
+          <a:path path="circle">
+            <a:fillToRect l="50000" t="50000" r="50000" b="50000"/>
+          </a:path>
+        </a:gradFill>
+      </a:bgFillStyleLst>
+    </a:fmtScheme>
+  </a:themeElements>
+</a:theme>
+</file>
+
+<file path=ppt/theme/theme3.xml><?xml version="1.0" encoding="utf-8"?>
 <a:theme xmlns:a="http://schemas.openxmlformats.org/drawingml/2006/main" xmlns:r="http://schemas.openxmlformats.org/officeDocument/2006/relationships" name="Custom Design">
   <a:themeElements>
     <a:clrScheme name="Custom Design 1">
@@ -27423,283 +29762,4 @@
     </a:fmtScheme>
   </a:themeElements>
 </a:theme>
-</file>
-
-<file path=ppt/theme/theme3.xml><?xml version="1.0" encoding="utf-8"?>
-<a:theme xmlns:a="http://schemas.openxmlformats.org/drawingml/2006/main" xmlns:r="http://schemas.openxmlformats.org/officeDocument/2006/relationships" name="Office Theme">
-  <a:themeElements>
-    <a:clrScheme name="">
-      <a:dk1>
-        <a:srgbClr val="000000"/>
-      </a:dk1>
-      <a:lt1>
-        <a:srgbClr val="FFFFFF"/>
-      </a:lt1>
-      <a:dk2>
-        <a:srgbClr val="000000"/>
-      </a:dk2>
-      <a:lt2>
-        <a:srgbClr val="808080"/>
-      </a:lt2>
-      <a:accent1>
-        <a:srgbClr val="BBE0E3"/>
-      </a:accent1>
-      <a:accent2>
-        <a:srgbClr val="333399"/>
-      </a:accent2>
-      <a:accent3>
-        <a:srgbClr val="FFFFFF"/>
-      </a:accent3>
-      <a:accent4>
-        <a:srgbClr val="000000"/>
-      </a:accent4>
-      <a:accent5>
-        <a:srgbClr val="DAEDEF"/>
-      </a:accent5>
-      <a:accent6>
-        <a:srgbClr val="2D2D8A"/>
-      </a:accent6>
-      <a:hlink>
-        <a:srgbClr val="009999"/>
-      </a:hlink>
-      <a:folHlink>
-        <a:srgbClr val="99CC00"/>
-      </a:folHlink>
-    </a:clrScheme>
-    <a:fontScheme name="Office">
-      <a:majorFont>
-        <a:latin typeface="Arial"/>
-        <a:ea typeface=""/>
-        <a:cs typeface=""/>
-        <a:font script="Jpan" typeface="ＭＳ Ｐゴシック"/>
-        <a:font script="Hang" typeface="맑은 고딕"/>
-        <a:font script="Hans" typeface="宋体"/>
-        <a:font script="Hant" typeface="新細明體"/>
-        <a:font script="Arab" typeface="Times New Roman"/>
-        <a:font script="Hebr" typeface="Times New Roman"/>
-        <a:font script="Thai" typeface="Angsana New"/>
-        <a:font script="Ethi" typeface="Nyala"/>
-        <a:font script="Beng" typeface="Vrinda"/>
-        <a:font script="Gujr" typeface="Shruti"/>
-        <a:font script="Khmr" typeface="MoolBoran"/>
-        <a:font script="Knda" typeface="Tunga"/>
-        <a:font script="Guru" typeface="Raavi"/>
-        <a:font script="Cans" typeface="Euphemia"/>
-        <a:font script="Cher" typeface="Plantagenet Cherokee"/>
-        <a:font script="Yiii" typeface="Microsoft Yi Baiti"/>
-        <a:font script="Tibt" typeface="Microsoft Himalaya"/>
-        <a:font script="Thaa" typeface="MV Boli"/>
-        <a:font script="Deva" typeface="Mangal"/>
-        <a:font script="Telu" typeface="Gautami"/>
-        <a:font script="Taml" typeface="Latha"/>
-        <a:font script="Syrc" typeface="Estrangelo Edessa"/>
-        <a:font script="Orya" typeface="Kalinga"/>
-        <a:font script="Mlym" typeface="Kartika"/>
-        <a:font script="Laoo" typeface="DokChampa"/>
-        <a:font script="Sinh" typeface="Iskoola Pota"/>
-        <a:font script="Mong" typeface="Mongolian Baiti"/>
-        <a:font script="Viet" typeface="Times New Roman"/>
-        <a:font script="Uigh" typeface="Microsoft Uighur"/>
-        <a:font script="Geor" typeface="Sylfaen"/>
-      </a:majorFont>
-      <a:minorFont>
-        <a:latin typeface="Arial"/>
-        <a:ea typeface=""/>
-        <a:cs typeface=""/>
-        <a:font script="Jpan" typeface="ＭＳ Ｐゴシック"/>
-        <a:font script="Hang" typeface="맑은 고딕"/>
-        <a:font script="Hans" typeface="宋体"/>
-        <a:font script="Hant" typeface="新細明體"/>
-        <a:font script="Arab" typeface="Arial"/>
-        <a:font script="Hebr" typeface="Arial"/>
-        <a:font script="Thai" typeface="Cordia New"/>
-        <a:font script="Ethi" typeface="Nyala"/>
-        <a:font script="Beng" typeface="Vrinda"/>
-        <a:font script="Gujr" typeface="Shruti"/>
-        <a:font script="Khmr" typeface="DaunPenh"/>
-        <a:font script="Knda" typeface="Tunga"/>
-        <a:font script="Guru" typeface="Raavi"/>
-        <a:font script="Cans" typeface="Euphemia"/>
-        <a:font script="Cher" typeface="Plantagenet Cherokee"/>
-        <a:font script="Yiii" typeface="Microsoft Yi Baiti"/>
-        <a:font script="Tibt" typeface="Microsoft Himalaya"/>
-        <a:font script="Thaa" typeface="MV Boli"/>
-        <a:font script="Deva" typeface="Mangal"/>
-        <a:font script="Telu" typeface="Gautami"/>
-        <a:font script="Taml" typeface="Latha"/>
-        <a:font script="Syrc" typeface="Estrangelo Edessa"/>
-        <a:font script="Orya" typeface="Kalinga"/>
-        <a:font script="Mlym" typeface="Kartika"/>
-        <a:font script="Laoo" typeface="DokChampa"/>
-        <a:font script="Sinh" typeface="Iskoola Pota"/>
-        <a:font script="Mong" typeface="Mongolian Baiti"/>
-        <a:font script="Viet" typeface="Arial"/>
-        <a:font script="Uigh" typeface="Microsoft Uighur"/>
-        <a:font script="Geor" typeface="Sylfaen"/>
-      </a:minorFont>
-    </a:fontScheme>
-    <a:fmtScheme name="Office">
-      <a:fillStyleLst>
-        <a:solidFill>
-          <a:schemeClr val="phClr"/>
-        </a:solidFill>
-        <a:gradFill rotWithShape="1">
-          <a:gsLst>
-            <a:gs pos="0">
-              <a:schemeClr val="phClr">
-                <a:tint val="50000"/>
-                <a:satMod val="300000"/>
-              </a:schemeClr>
-            </a:gs>
-            <a:gs pos="35000">
-              <a:schemeClr val="phClr">
-                <a:tint val="37000"/>
-                <a:satMod val="300000"/>
-              </a:schemeClr>
-            </a:gs>
-            <a:gs pos="100000">
-              <a:schemeClr val="phClr">
-                <a:tint val="15000"/>
-                <a:satMod val="350000"/>
-              </a:schemeClr>
-            </a:gs>
-          </a:gsLst>
-          <a:lin ang="16200000" scaled="1"/>
-        </a:gradFill>
-        <a:gradFill rotWithShape="1">
-          <a:gsLst>
-            <a:gs pos="0">
-              <a:schemeClr val="phClr">
-                <a:tint val="100000"/>
-                <a:shade val="100000"/>
-                <a:satMod val="130000"/>
-              </a:schemeClr>
-            </a:gs>
-            <a:gs pos="100000">
-              <a:schemeClr val="phClr">
-                <a:tint val="50000"/>
-                <a:shade val="100000"/>
-                <a:satMod val="350000"/>
-              </a:schemeClr>
-            </a:gs>
-          </a:gsLst>
-          <a:lin ang="16200000" scaled="0"/>
-        </a:gradFill>
-      </a:fillStyleLst>
-      <a:lnStyleLst>
-        <a:ln w="9525" cap="flat" cmpd="sng" algn="ctr">
-          <a:solidFill>
-            <a:schemeClr val="phClr">
-              <a:shade val="95000"/>
-              <a:satMod val="105000"/>
-            </a:schemeClr>
-          </a:solidFill>
-          <a:prstDash val="solid"/>
-        </a:ln>
-        <a:ln w="25400" cap="flat" cmpd="sng" algn="ctr">
-          <a:solidFill>
-            <a:schemeClr val="phClr"/>
-          </a:solidFill>
-          <a:prstDash val="solid"/>
-        </a:ln>
-        <a:ln w="38100" cap="flat" cmpd="sng" algn="ctr">
-          <a:solidFill>
-            <a:schemeClr val="phClr"/>
-          </a:solidFill>
-          <a:prstDash val="solid"/>
-        </a:ln>
-      </a:lnStyleLst>
-      <a:effectStyleLst>
-        <a:effectStyle>
-          <a:effectLst>
-            <a:outerShdw blurRad="40000" dist="20000" dir="5400000" rotWithShape="0">
-              <a:srgbClr val="000000">
-                <a:alpha val="38000"/>
-              </a:srgbClr>
-            </a:outerShdw>
-          </a:effectLst>
-        </a:effectStyle>
-        <a:effectStyle>
-          <a:effectLst>
-            <a:outerShdw blurRad="40000" dist="23000" dir="5400000" rotWithShape="0">
-              <a:srgbClr val="000000">
-                <a:alpha val="35000"/>
-              </a:srgbClr>
-            </a:outerShdw>
-          </a:effectLst>
-        </a:effectStyle>
-        <a:effectStyle>
-          <a:effectLst>
-            <a:outerShdw blurRad="40000" dist="23000" dir="5400000" rotWithShape="0">
-              <a:srgbClr val="000000">
-                <a:alpha val="35000"/>
-              </a:srgbClr>
-            </a:outerShdw>
-          </a:effectLst>
-          <a:scene3d>
-            <a:camera prst="orthographicFront">
-              <a:rot lat="0" lon="0" rev="0"/>
-            </a:camera>
-            <a:lightRig rig="threePt" dir="t">
-              <a:rot lat="0" lon="0" rev="1200000"/>
-            </a:lightRig>
-          </a:scene3d>
-          <a:sp3d>
-            <a:bevelT w="63500" h="25400"/>
-          </a:sp3d>
-        </a:effectStyle>
-      </a:effectStyleLst>
-      <a:bgFillStyleLst>
-        <a:solidFill>
-          <a:schemeClr val="phClr"/>
-        </a:solidFill>
-        <a:gradFill rotWithShape="1">
-          <a:gsLst>
-            <a:gs pos="0">
-              <a:schemeClr val="phClr">
-                <a:tint val="40000"/>
-                <a:satMod val="350000"/>
-              </a:schemeClr>
-            </a:gs>
-            <a:gs pos="40000">
-              <a:schemeClr val="phClr">
-                <a:tint val="45000"/>
-                <a:shade val="99000"/>
-                <a:satMod val="350000"/>
-              </a:schemeClr>
-            </a:gs>
-            <a:gs pos="100000">
-              <a:schemeClr val="phClr">
-                <a:shade val="20000"/>
-                <a:satMod val="255000"/>
-              </a:schemeClr>
-            </a:gs>
-          </a:gsLst>
-          <a:path path="circle">
-            <a:fillToRect l="50000" t="-80000" r="50000" b="180000"/>
-          </a:path>
-        </a:gradFill>
-        <a:gradFill rotWithShape="1">
-          <a:gsLst>
-            <a:gs pos="0">
-              <a:schemeClr val="phClr">
-                <a:tint val="80000"/>
-                <a:satMod val="300000"/>
-              </a:schemeClr>
-            </a:gs>
-            <a:gs pos="100000">
-              <a:schemeClr val="phClr">
-                <a:shade val="30000"/>
-                <a:satMod val="200000"/>
-              </a:schemeClr>
-            </a:gs>
-          </a:gsLst>
-          <a:path path="circle">
-            <a:fillToRect l="50000" t="50000" r="50000" b="50000"/>
-          </a:path>
-        </a:gradFill>
-      </a:bgFillStyleLst>
-    </a:fmtScheme>
-  </a:themeElements>
-</a:theme>
 </file>